--- a/images/cloudmesh-cc-arch.pptx
+++ b/images/cloudmesh-cc-arch.pptx
@@ -5,11 +5,12 @@
     <p:sldMasterId id="2147483648" r:id="rId1"/>
   </p:sldMasterIdLst>
   <p:notesMasterIdLst>
-    <p:notesMasterId r:id="rId4"/>
+    <p:notesMasterId r:id="rId5"/>
   </p:notesMasterIdLst>
   <p:sldIdLst>
     <p:sldId id="256" r:id="rId2"/>
-    <p:sldId id="257" r:id="rId3"/>
+    <p:sldId id="258" r:id="rId3"/>
+    <p:sldId id="257" r:id="rId4"/>
   </p:sldIdLst>
   <p:sldSz cx="12192000" cy="6858000"/>
   <p:notesSz cx="6858000" cy="9144000"/>
@@ -108,6 +109,11 @@
       </a:defRPr>
     </a:lvl9pPr>
   </p:defaultTextStyle>
+  <p:extLst>
+    <p:ext uri="{EFAFB233-063F-42B5-8137-9DF3F51BA10A}">
+      <p15:sldGuideLst xmlns:p15="http://schemas.microsoft.com/office/powerpoint/2012/main"/>
+    </p:ext>
+  </p:extLst>
 </p:presentation>
 </file>
 
@@ -193,7 +199,7 @@
           <a:p>
             <a:fld id="{7B8C5C2F-9C70-1146-AC1C-839850BBCAD5}" type="datetimeFigureOut">
               <a:rPr lang="en-US" smtClean="0"/>
-              <a:t>8/25/22</a:t>
+              <a:t>10/20/22</a:t>
             </a:fld>
             <a:endParaRPr lang="en-US"/>
           </a:p>
@@ -544,6 +550,90 @@
 </p:notes>
 </file>
 
+<file path=ppt/notesSlides/notesSlide2.xml><?xml version="1.0" encoding="utf-8"?>
+<p:notes xmlns:a="http://schemas.openxmlformats.org/drawingml/2006/main" xmlns:r="http://schemas.openxmlformats.org/officeDocument/2006/relationships" xmlns:p="http://schemas.openxmlformats.org/presentationml/2006/main">
+  <p:cSld>
+    <p:spTree>
+      <p:nvGrpSpPr>
+        <p:cNvPr id="1" name=""/>
+        <p:cNvGrpSpPr/>
+        <p:nvPr/>
+      </p:nvGrpSpPr>
+      <p:grpSpPr>
+        <a:xfrm>
+          <a:off x="0" y="0"/>
+          <a:ext cx="0" cy="0"/>
+          <a:chOff x="0" y="0"/>
+          <a:chExt cx="0" cy="0"/>
+        </a:xfrm>
+      </p:grpSpPr>
+      <p:sp>
+        <p:nvSpPr>
+          <p:cNvPr id="2" name="Slide Image Placeholder 1"/>
+          <p:cNvSpPr>
+            <a:spLocks noGrp="1" noRot="1" noChangeAspect="1"/>
+          </p:cNvSpPr>
+          <p:nvPr>
+            <p:ph type="sldImg"/>
+          </p:nvPr>
+        </p:nvSpPr>
+        <p:spPr/>
+      </p:sp>
+      <p:sp>
+        <p:nvSpPr>
+          <p:cNvPr id="3" name="Notes Placeholder 2"/>
+          <p:cNvSpPr>
+            <a:spLocks noGrp="1"/>
+          </p:cNvSpPr>
+          <p:nvPr>
+            <p:ph type="body" idx="1"/>
+          </p:nvPr>
+        </p:nvSpPr>
+        <p:spPr/>
+        <p:txBody>
+          <a:bodyPr/>
+          <a:lstStyle/>
+          <a:p>
+            <a:endParaRPr lang="en-US" dirty="0"/>
+          </a:p>
+        </p:txBody>
+      </p:sp>
+      <p:sp>
+        <p:nvSpPr>
+          <p:cNvPr id="4" name="Slide Number Placeholder 3"/>
+          <p:cNvSpPr>
+            <a:spLocks noGrp="1"/>
+          </p:cNvSpPr>
+          <p:nvPr>
+            <p:ph type="sldNum" sz="quarter" idx="5"/>
+          </p:nvPr>
+        </p:nvSpPr>
+        <p:spPr/>
+        <p:txBody>
+          <a:bodyPr/>
+          <a:lstStyle/>
+          <a:p>
+            <a:fld id="{A9922389-5304-5346-9597-FE1DDBEC8248}" type="slidenum">
+              <a:rPr lang="en-US" smtClean="0"/>
+              <a:t>2</a:t>
+            </a:fld>
+            <a:endParaRPr lang="en-US"/>
+          </a:p>
+        </p:txBody>
+      </p:sp>
+    </p:spTree>
+    <p:extLst>
+      <p:ext uri="{BB962C8B-B14F-4D97-AF65-F5344CB8AC3E}">
+        <p14:creationId xmlns:p14="http://schemas.microsoft.com/office/powerpoint/2010/main" val="2533738612"/>
+      </p:ext>
+    </p:extLst>
+  </p:cSld>
+  <p:clrMapOvr>
+    <a:masterClrMapping/>
+  </p:clrMapOvr>
+</p:notes>
+</file>
+
 <file path=ppt/slideLayouts/slideLayout1.xml><?xml version="1.0" encoding="utf-8"?>
 <p:sldLayout xmlns:a="http://schemas.openxmlformats.org/drawingml/2006/main" xmlns:r="http://schemas.openxmlformats.org/officeDocument/2006/relationships" xmlns:p="http://schemas.openxmlformats.org/presentationml/2006/main" type="title" preserve="1">
   <p:cSld name="Title Slide">
@@ -691,7 +781,7 @@
           <a:p>
             <a:fld id="{1E221C03-E016-DD41-A5A4-762F0E9F850B}" type="datetimeFigureOut">
               <a:rPr lang="en-US" smtClean="0"/>
-              <a:t>8/25/22</a:t>
+              <a:t>10/20/22</a:t>
             </a:fld>
             <a:endParaRPr lang="en-US"/>
           </a:p>
@@ -889,7 +979,7 @@
           <a:p>
             <a:fld id="{1E221C03-E016-DD41-A5A4-762F0E9F850B}" type="datetimeFigureOut">
               <a:rPr lang="en-US" smtClean="0"/>
-              <a:t>8/25/22</a:t>
+              <a:t>10/20/22</a:t>
             </a:fld>
             <a:endParaRPr lang="en-US"/>
           </a:p>
@@ -1097,7 +1187,7 @@
           <a:p>
             <a:fld id="{1E221C03-E016-DD41-A5A4-762F0E9F850B}" type="datetimeFigureOut">
               <a:rPr lang="en-US" smtClean="0"/>
-              <a:t>8/25/22</a:t>
+              <a:t>10/20/22</a:t>
             </a:fld>
             <a:endParaRPr lang="en-US"/>
           </a:p>
@@ -1295,7 +1385,7 @@
           <a:p>
             <a:fld id="{1E221C03-E016-DD41-A5A4-762F0E9F850B}" type="datetimeFigureOut">
               <a:rPr lang="en-US" smtClean="0"/>
-              <a:t>8/25/22</a:t>
+              <a:t>10/20/22</a:t>
             </a:fld>
             <a:endParaRPr lang="en-US"/>
           </a:p>
@@ -1570,7 +1660,7 @@
           <a:p>
             <a:fld id="{1E221C03-E016-DD41-A5A4-762F0E9F850B}" type="datetimeFigureOut">
               <a:rPr lang="en-US" smtClean="0"/>
-              <a:t>8/25/22</a:t>
+              <a:t>10/20/22</a:t>
             </a:fld>
             <a:endParaRPr lang="en-US"/>
           </a:p>
@@ -1835,7 +1925,7 @@
           <a:p>
             <a:fld id="{1E221C03-E016-DD41-A5A4-762F0E9F850B}" type="datetimeFigureOut">
               <a:rPr lang="en-US" smtClean="0"/>
-              <a:t>8/25/22</a:t>
+              <a:t>10/20/22</a:t>
             </a:fld>
             <a:endParaRPr lang="en-US"/>
           </a:p>
@@ -2247,7 +2337,7 @@
           <a:p>
             <a:fld id="{1E221C03-E016-DD41-A5A4-762F0E9F850B}" type="datetimeFigureOut">
               <a:rPr lang="en-US" smtClean="0"/>
-              <a:t>8/25/22</a:t>
+              <a:t>10/20/22</a:t>
             </a:fld>
             <a:endParaRPr lang="en-US"/>
           </a:p>
@@ -2388,7 +2478,7 @@
           <a:p>
             <a:fld id="{1E221C03-E016-DD41-A5A4-762F0E9F850B}" type="datetimeFigureOut">
               <a:rPr lang="en-US" smtClean="0"/>
-              <a:t>8/25/22</a:t>
+              <a:t>10/20/22</a:t>
             </a:fld>
             <a:endParaRPr lang="en-US"/>
           </a:p>
@@ -2501,7 +2591,7 @@
           <a:p>
             <a:fld id="{1E221C03-E016-DD41-A5A4-762F0E9F850B}" type="datetimeFigureOut">
               <a:rPr lang="en-US" smtClean="0"/>
-              <a:t>8/25/22</a:t>
+              <a:t>10/20/22</a:t>
             </a:fld>
             <a:endParaRPr lang="en-US"/>
           </a:p>
@@ -2812,7 +2902,7 @@
           <a:p>
             <a:fld id="{1E221C03-E016-DD41-A5A4-762F0E9F850B}" type="datetimeFigureOut">
               <a:rPr lang="en-US" smtClean="0"/>
-              <a:t>8/25/22</a:t>
+              <a:t>10/20/22</a:t>
             </a:fld>
             <a:endParaRPr lang="en-US"/>
           </a:p>
@@ -3100,7 +3190,7 @@
           <a:p>
             <a:fld id="{1E221C03-E016-DD41-A5A4-762F0E9F850B}" type="datetimeFigureOut">
               <a:rPr lang="en-US" smtClean="0"/>
-              <a:t>8/25/22</a:t>
+              <a:t>10/20/22</a:t>
             </a:fld>
             <a:endParaRPr lang="en-US"/>
           </a:p>
@@ -3341,7 +3431,7 @@
           <a:p>
             <a:fld id="{1E221C03-E016-DD41-A5A4-762F0E9F850B}" type="datetimeFigureOut">
               <a:rPr lang="en-US" smtClean="0"/>
-              <a:t>8/25/22</a:t>
+              <a:t>10/20/22</a:t>
             </a:fld>
             <a:endParaRPr lang="en-US"/>
           </a:p>
@@ -3772,7 +3862,7 @@
         </p:nvSpPr>
         <p:spPr>
           <a:xfrm>
-            <a:off x="6089435" y="855552"/>
+            <a:off x="4197060" y="887986"/>
             <a:ext cx="2173087" cy="619001"/>
           </a:xfrm>
           <a:prstGeom prst="roundRect">
@@ -3837,7 +3927,7 @@
         </p:nvSpPr>
         <p:spPr>
           <a:xfrm>
-            <a:off x="3491513" y="3832789"/>
+            <a:off x="3455659" y="4164267"/>
             <a:ext cx="750638" cy="801607"/>
           </a:xfrm>
           <a:prstGeom prst="can">
@@ -3883,10 +3973,7 @@
           </a:p>
           <a:p>
             <a:pPr algn="ctr"/>
-            <a:r>
-              <a:rPr lang="en-US" sz="1200" dirty="0"/>
-              <a:t>(File)</a:t>
-            </a:r>
+            <a:endParaRPr lang="en-US" sz="1200" dirty="0"/>
           </a:p>
         </p:txBody>
       </p:sp>
@@ -3918,7 +4005,7 @@
         </p:blipFill>
         <p:spPr>
           <a:xfrm>
-            <a:off x="5694272" y="305971"/>
+            <a:off x="7259254" y="190106"/>
             <a:ext cx="605300" cy="602712"/>
           </a:xfrm>
           <a:prstGeom prst="rect">
@@ -4163,7 +4250,7 @@
         </p:nvSpPr>
         <p:spPr>
           <a:xfrm rot="16200000">
-            <a:off x="3738022" y="4883879"/>
+            <a:off x="3702168" y="5215357"/>
             <a:ext cx="1920805" cy="387435"/>
           </a:xfrm>
           <a:prstGeom prst="roundRect">
@@ -4228,7 +4315,7 @@
         </p:nvSpPr>
         <p:spPr>
           <a:xfrm rot="16200000">
-            <a:off x="5798797" y="2241389"/>
+            <a:off x="5762943" y="2572867"/>
             <a:ext cx="276146" cy="2021755"/>
           </a:xfrm>
           <a:prstGeom prst="rightBrace">
@@ -4277,7 +4364,7 @@
         </p:nvSpPr>
         <p:spPr>
           <a:xfrm rot="16200000">
-            <a:off x="4133558" y="4880941"/>
+            <a:off x="4097704" y="5212419"/>
             <a:ext cx="1920805" cy="387435"/>
           </a:xfrm>
           <a:prstGeom prst="roundRect">
@@ -4350,7 +4437,7 @@
         </p:nvSpPr>
         <p:spPr>
           <a:xfrm rot="16200000">
-            <a:off x="4540152" y="4880940"/>
+            <a:off x="4504298" y="5212418"/>
             <a:ext cx="1920805" cy="387435"/>
           </a:xfrm>
           <a:prstGeom prst="roundRect">
@@ -4415,7 +4502,7 @@
         </p:nvSpPr>
         <p:spPr>
           <a:xfrm rot="16200000">
-            <a:off x="5132122" y="3044658"/>
+            <a:off x="5096268" y="3376136"/>
             <a:ext cx="276146" cy="1638480"/>
           </a:xfrm>
           <a:prstGeom prst="rightBrace">
@@ -4467,7 +4554,7 @@
         </p:nvSpPr>
         <p:spPr>
           <a:xfrm>
-            <a:off x="4655654" y="3436362"/>
+            <a:off x="4619800" y="3767840"/>
             <a:ext cx="776366" cy="276999"/>
           </a:xfrm>
           <a:prstGeom prst="rect">
@@ -4502,7 +4589,7 @@
         </p:nvSpPr>
         <p:spPr>
           <a:xfrm rot="16200000">
-            <a:off x="5645405" y="4883879"/>
+            <a:off x="5609551" y="5215357"/>
             <a:ext cx="1920805" cy="387435"/>
           </a:xfrm>
           <a:prstGeom prst="roundRect">
@@ -4567,7 +4654,7 @@
         </p:nvSpPr>
         <p:spPr>
           <a:xfrm rot="16200000">
-            <a:off x="6040942" y="4880941"/>
+            <a:off x="6005088" y="5212419"/>
             <a:ext cx="1920805" cy="387435"/>
           </a:xfrm>
           <a:prstGeom prst="roundRect">
@@ -4632,7 +4719,7 @@
         </p:nvSpPr>
         <p:spPr>
           <a:xfrm rot="16200000">
-            <a:off x="6447535" y="4880940"/>
+            <a:off x="6411681" y="5212418"/>
             <a:ext cx="1920805" cy="387435"/>
           </a:xfrm>
           <a:prstGeom prst="roundRect">
@@ -4697,7 +4784,7 @@
         </p:nvSpPr>
         <p:spPr>
           <a:xfrm rot="16200000">
-            <a:off x="6841924" y="3242239"/>
+            <a:off x="6806070" y="3573717"/>
             <a:ext cx="276146" cy="1243318"/>
           </a:xfrm>
           <a:prstGeom prst="rightBrace">
@@ -4746,7 +4833,7 @@
         </p:nvSpPr>
         <p:spPr>
           <a:xfrm>
-            <a:off x="6600049" y="3390341"/>
+            <a:off x="6564195" y="3721819"/>
             <a:ext cx="997709" cy="276999"/>
           </a:xfrm>
           <a:prstGeom prst="rect">
@@ -4781,7 +4868,7 @@
         </p:nvSpPr>
         <p:spPr>
           <a:xfrm rot="16200000">
-            <a:off x="4955765" y="4880940"/>
+            <a:off x="4919911" y="5212418"/>
             <a:ext cx="1920805" cy="387435"/>
           </a:xfrm>
           <a:prstGeom prst="roundRect">
@@ -4846,7 +4933,7 @@
         </p:nvSpPr>
         <p:spPr>
           <a:xfrm rot="16200000">
-            <a:off x="7516878" y="4291615"/>
+            <a:off x="7481024" y="4623093"/>
             <a:ext cx="1423007" cy="387437"/>
           </a:xfrm>
           <a:prstGeom prst="roundRect">
@@ -4892,13 +4979,8 @@
             <a:pPr algn="ctr"/>
             <a:r>
               <a:rPr lang="en-US" sz="1200" dirty="0"/>
-              <a:t>Workflow </a:t>
-            </a:r>
-            <a:r>
-              <a:rPr lang="en-US" sz="1200" dirty="0" err="1"/>
-              <a:t>Graoh</a:t>
-            </a:r>
-            <a:endParaRPr lang="en-US" sz="1200" dirty="0"/>
+              <a:t>Workflow Graph</a:t>
+            </a:r>
           </a:p>
         </p:txBody>
       </p:sp>
@@ -4916,7 +4998,7 @@
         </p:nvSpPr>
         <p:spPr>
           <a:xfrm rot="16200000">
-            <a:off x="7963940" y="4298986"/>
+            <a:off x="7928086" y="4630464"/>
             <a:ext cx="1423007" cy="387437"/>
           </a:xfrm>
           <a:prstGeom prst="roundRect">
@@ -4981,7 +5063,7 @@
         </p:nvSpPr>
         <p:spPr>
           <a:xfrm rot="16200000">
-            <a:off x="8488543" y="2643642"/>
+            <a:off x="8452689" y="2975120"/>
             <a:ext cx="329393" cy="1237153"/>
           </a:xfrm>
           <a:prstGeom prst="rightBrace">
@@ -5033,13 +5115,13 @@
         </p:nvSpPr>
         <p:spPr>
           <a:xfrm rot="16200000">
-            <a:off x="3320158" y="2648412"/>
-            <a:ext cx="276147" cy="1461243"/>
+            <a:off x="2774397" y="2403621"/>
+            <a:ext cx="311053" cy="2446151"/>
           </a:xfrm>
           <a:prstGeom prst="rightBrace">
             <a:avLst>
               <a:gd name="adj1" fmla="val 8333"/>
-              <a:gd name="adj2" fmla="val 79495"/>
+              <a:gd name="adj2" fmla="val 86251"/>
             </a:avLst>
           </a:prstGeom>
           <a:ln w="25400">
@@ -5085,7 +5167,7 @@
         </p:nvSpPr>
         <p:spPr>
           <a:xfrm>
-            <a:off x="2458103" y="3832789"/>
+            <a:off x="2575868" y="4147843"/>
             <a:ext cx="750638" cy="801607"/>
           </a:xfrm>
           <a:prstGeom prst="can">
@@ -5151,7 +5233,7 @@
         </p:nvSpPr>
         <p:spPr>
           <a:xfrm>
-            <a:off x="2428407" y="3539366"/>
+            <a:off x="1934049" y="3767840"/>
             <a:ext cx="2094163" cy="276999"/>
           </a:xfrm>
           <a:prstGeom prst="rect">
@@ -5186,7 +5268,7 @@
         </p:nvSpPr>
         <p:spPr>
           <a:xfrm>
-            <a:off x="8157897" y="3414091"/>
+            <a:off x="8122043" y="3745569"/>
             <a:ext cx="1422529" cy="276999"/>
           </a:xfrm>
           <a:prstGeom prst="rect">
@@ -5222,7 +5304,7 @@
         </p:nvSpPr>
         <p:spPr>
           <a:xfrm rot="16200000">
-            <a:off x="8451673" y="4301856"/>
+            <a:off x="8415819" y="4633334"/>
             <a:ext cx="1423007" cy="387437"/>
           </a:xfrm>
           <a:prstGeom prst="roundRect">
@@ -5287,8 +5369,8 @@
         </p:nvSpPr>
         <p:spPr>
           <a:xfrm>
-            <a:off x="3502702" y="1632597"/>
-            <a:ext cx="4733025" cy="619001"/>
+            <a:off x="1610327" y="1665031"/>
+            <a:ext cx="9496364" cy="619001"/>
           </a:xfrm>
           <a:prstGeom prst="roundRect">
             <a:avLst/>
@@ -5333,7 +5415,7 @@
             <a:pPr algn="ctr"/>
             <a:r>
               <a:rPr lang="en-US" sz="1600" dirty="0"/>
-              <a:t>REST Service</a:t>
+              <a:t>Workflow Specification</a:t>
             </a:r>
           </a:p>
         </p:txBody>
@@ -5352,7 +5434,7 @@
         </p:nvSpPr>
         <p:spPr>
           <a:xfrm>
-            <a:off x="3502702" y="879699"/>
+            <a:off x="1610327" y="912133"/>
             <a:ext cx="2408994" cy="619001"/>
           </a:xfrm>
           <a:prstGeom prst="roundRect">
@@ -5398,7 +5480,585 @@
             <a:pPr algn="ctr"/>
             <a:r>
               <a:rPr lang="en-US" sz="1600" dirty="0"/>
-              <a:t>Workflow</a:t>
+              <a:t>Command line</a:t>
+            </a:r>
+          </a:p>
+        </p:txBody>
+      </p:sp>
+      <p:sp>
+        <p:nvSpPr>
+          <p:cNvPr id="2" name="Rounded Rectangle 1">
+            <a:extLst>
+              <a:ext uri="{FF2B5EF4-FFF2-40B4-BE49-F238E27FC236}">
+                <a16:creationId xmlns:a16="http://schemas.microsoft.com/office/drawing/2014/main" id="{8C6D4F88-5D4E-7654-C28C-E9714A219E72}"/>
+              </a:ext>
+            </a:extLst>
+          </p:cNvPr>
+          <p:cNvSpPr/>
+          <p:nvPr/>
+        </p:nvSpPr>
+        <p:spPr>
+          <a:xfrm>
+            <a:off x="6547886" y="887986"/>
+            <a:ext cx="2173087" cy="619001"/>
+          </a:xfrm>
+          <a:prstGeom prst="roundRect">
+            <a:avLst/>
+          </a:prstGeom>
+          <a:solidFill>
+            <a:schemeClr val="accent6">
+              <a:lumMod val="20000"/>
+              <a:lumOff val="80000"/>
+            </a:schemeClr>
+          </a:solidFill>
+          <a:ln w="12700">
+            <a:solidFill>
+              <a:schemeClr val="tx1"/>
+            </a:solidFill>
+          </a:ln>
+          <a:effectLst>
+            <a:outerShdw blurRad="50800" dist="38100" dir="2700000" algn="tl" rotWithShape="0">
+              <a:prstClr val="black">
+                <a:alpha val="40000"/>
+              </a:prstClr>
+            </a:outerShdw>
+          </a:effectLst>
+        </p:spPr>
+        <p:style>
+          <a:lnRef idx="1">
+            <a:schemeClr val="accent4"/>
+          </a:lnRef>
+          <a:fillRef idx="2">
+            <a:schemeClr val="accent4"/>
+          </a:fillRef>
+          <a:effectRef idx="1">
+            <a:schemeClr val="accent4"/>
+          </a:effectRef>
+          <a:fontRef idx="minor">
+            <a:schemeClr val="dk1"/>
+          </a:fontRef>
+        </p:style>
+        <p:txBody>
+          <a:bodyPr rtlCol="0" anchor="ctr"/>
+          <a:lstStyle/>
+          <a:p>
+            <a:pPr algn="ctr"/>
+            <a:r>
+              <a:rPr lang="en-US" sz="1600" dirty="0"/>
+              <a:t>REST Service</a:t>
+            </a:r>
+          </a:p>
+        </p:txBody>
+      </p:sp>
+      <p:sp>
+        <p:nvSpPr>
+          <p:cNvPr id="3" name="Rounded Rectangle 2">
+            <a:extLst>
+              <a:ext uri="{FF2B5EF4-FFF2-40B4-BE49-F238E27FC236}">
+                <a16:creationId xmlns:a16="http://schemas.microsoft.com/office/drawing/2014/main" id="{E037A2D3-2B40-6016-FB90-D94C4E84D79C}"/>
+              </a:ext>
+            </a:extLst>
+          </p:cNvPr>
+          <p:cNvSpPr/>
+          <p:nvPr/>
+        </p:nvSpPr>
+        <p:spPr>
+          <a:xfrm>
+            <a:off x="5170393" y="3066710"/>
+            <a:ext cx="3062625" cy="332940"/>
+          </a:xfrm>
+          <a:prstGeom prst="roundRect">
+            <a:avLst/>
+          </a:prstGeom>
+          <a:solidFill>
+            <a:schemeClr val="accent5">
+              <a:lumMod val="20000"/>
+              <a:lumOff val="80000"/>
+            </a:schemeClr>
+          </a:solidFill>
+          <a:ln w="12700">
+            <a:solidFill>
+              <a:schemeClr val="tx1"/>
+            </a:solidFill>
+          </a:ln>
+          <a:effectLst>
+            <a:outerShdw blurRad="50800" dist="38100" dir="2700000" algn="tl" rotWithShape="0">
+              <a:prstClr val="black">
+                <a:alpha val="40000"/>
+              </a:prstClr>
+            </a:outerShdw>
+          </a:effectLst>
+        </p:spPr>
+        <p:style>
+          <a:lnRef idx="1">
+            <a:schemeClr val="accent4"/>
+          </a:lnRef>
+          <a:fillRef idx="2">
+            <a:schemeClr val="accent4"/>
+          </a:fillRef>
+          <a:effectRef idx="1">
+            <a:schemeClr val="accent4"/>
+          </a:effectRef>
+          <a:fontRef idx="minor">
+            <a:schemeClr val="dk1"/>
+          </a:fontRef>
+        </p:style>
+        <p:txBody>
+          <a:bodyPr rtlCol="0" anchor="ctr"/>
+          <a:lstStyle/>
+          <a:p>
+            <a:pPr algn="ctr"/>
+            <a:r>
+              <a:rPr lang="en-US" sz="1600" dirty="0"/>
+              <a:t>Job API</a:t>
+            </a:r>
+          </a:p>
+        </p:txBody>
+      </p:sp>
+      <p:sp>
+        <p:nvSpPr>
+          <p:cNvPr id="4" name="Rounded Rectangle 3">
+            <a:extLst>
+              <a:ext uri="{FF2B5EF4-FFF2-40B4-BE49-F238E27FC236}">
+                <a16:creationId xmlns:a16="http://schemas.microsoft.com/office/drawing/2014/main" id="{B12701C9-9172-E5BD-015C-A0C21F7D39D4}"/>
+              </a:ext>
+            </a:extLst>
+          </p:cNvPr>
+          <p:cNvSpPr/>
+          <p:nvPr/>
+        </p:nvSpPr>
+        <p:spPr>
+          <a:xfrm>
+            <a:off x="3522944" y="3075777"/>
+            <a:ext cx="1461245" cy="311054"/>
+          </a:xfrm>
+          <a:prstGeom prst="roundRect">
+            <a:avLst/>
+          </a:prstGeom>
+          <a:solidFill>
+            <a:schemeClr val="accent5">
+              <a:lumMod val="20000"/>
+              <a:lumOff val="80000"/>
+            </a:schemeClr>
+          </a:solidFill>
+          <a:ln w="12700">
+            <a:solidFill>
+              <a:schemeClr val="tx1"/>
+            </a:solidFill>
+          </a:ln>
+          <a:effectLst>
+            <a:outerShdw blurRad="50800" dist="38100" dir="2700000" algn="tl" rotWithShape="0">
+              <a:prstClr val="black">
+                <a:alpha val="40000"/>
+              </a:prstClr>
+            </a:outerShdw>
+          </a:effectLst>
+        </p:spPr>
+        <p:style>
+          <a:lnRef idx="1">
+            <a:schemeClr val="accent4"/>
+          </a:lnRef>
+          <a:fillRef idx="2">
+            <a:schemeClr val="accent4"/>
+          </a:fillRef>
+          <a:effectRef idx="1">
+            <a:schemeClr val="accent4"/>
+          </a:effectRef>
+          <a:fontRef idx="minor">
+            <a:schemeClr val="dk1"/>
+          </a:fontRef>
+        </p:style>
+        <p:txBody>
+          <a:bodyPr rtlCol="0" anchor="ctr"/>
+          <a:lstStyle/>
+          <a:p>
+            <a:pPr algn="ctr"/>
+            <a:r>
+              <a:rPr lang="en-US" sz="1600" dirty="0"/>
+              <a:t>Database API</a:t>
+            </a:r>
+          </a:p>
+        </p:txBody>
+      </p:sp>
+      <p:sp>
+        <p:nvSpPr>
+          <p:cNvPr id="6" name="Left-Right Arrow 5">
+            <a:extLst>
+              <a:ext uri="{FF2B5EF4-FFF2-40B4-BE49-F238E27FC236}">
+                <a16:creationId xmlns:a16="http://schemas.microsoft.com/office/drawing/2014/main" id="{72336E2A-94E1-DC25-2505-F5F15C713496}"/>
+              </a:ext>
+            </a:extLst>
+          </p:cNvPr>
+          <p:cNvSpPr/>
+          <p:nvPr/>
+        </p:nvSpPr>
+        <p:spPr>
+          <a:xfrm>
+            <a:off x="4855591" y="3177821"/>
+            <a:ext cx="425902" cy="121098"/>
+          </a:xfrm>
+          <a:prstGeom prst="leftRightArrow">
+            <a:avLst/>
+          </a:prstGeom>
+          <a:solidFill>
+            <a:schemeClr val="accent1">
+              <a:lumMod val="20000"/>
+              <a:lumOff val="80000"/>
+            </a:schemeClr>
+          </a:solidFill>
+        </p:spPr>
+        <p:style>
+          <a:lnRef idx="2">
+            <a:schemeClr val="accent1">
+              <a:shade val="50000"/>
+            </a:schemeClr>
+          </a:lnRef>
+          <a:fillRef idx="1">
+            <a:schemeClr val="accent1"/>
+          </a:fillRef>
+          <a:effectRef idx="0">
+            <a:schemeClr val="accent1"/>
+          </a:effectRef>
+          <a:fontRef idx="minor">
+            <a:schemeClr val="lt1"/>
+          </a:fontRef>
+        </p:style>
+        <p:txBody>
+          <a:bodyPr rtlCol="0" anchor="ctr"/>
+          <a:lstStyle/>
+          <a:p>
+            <a:pPr algn="ctr"/>
+            <a:endParaRPr lang="en-US" dirty="0"/>
+          </a:p>
+        </p:txBody>
+      </p:sp>
+      <p:sp>
+        <p:nvSpPr>
+          <p:cNvPr id="7" name="Can 6">
+            <a:extLst>
+              <a:ext uri="{FF2B5EF4-FFF2-40B4-BE49-F238E27FC236}">
+                <a16:creationId xmlns:a16="http://schemas.microsoft.com/office/drawing/2014/main" id="{8D32C985-09BC-BEB1-ADBF-51F1BB46F5EF}"/>
+              </a:ext>
+            </a:extLst>
+          </p:cNvPr>
+          <p:cNvSpPr/>
+          <p:nvPr/>
+        </p:nvSpPr>
+        <p:spPr>
+          <a:xfrm>
+            <a:off x="1706848" y="4147843"/>
+            <a:ext cx="750638" cy="801607"/>
+          </a:xfrm>
+          <a:prstGeom prst="can">
+            <a:avLst/>
+          </a:prstGeom>
+          <a:solidFill>
+            <a:schemeClr val="bg2">
+              <a:lumMod val="90000"/>
+            </a:schemeClr>
+          </a:solidFill>
+          <a:effectLst>
+            <a:outerShdw blurRad="50800" dist="38100" dir="2700000" algn="tl" rotWithShape="0">
+              <a:prstClr val="black">
+                <a:alpha val="40000"/>
+              </a:prstClr>
+            </a:outerShdw>
+          </a:effectLst>
+        </p:spPr>
+        <p:style>
+          <a:lnRef idx="1">
+            <a:schemeClr val="accent2"/>
+          </a:lnRef>
+          <a:fillRef idx="2">
+            <a:schemeClr val="accent2"/>
+          </a:fillRef>
+          <a:effectRef idx="1">
+            <a:schemeClr val="accent2"/>
+          </a:effectRef>
+          <a:fontRef idx="minor">
+            <a:schemeClr val="dk1"/>
+          </a:fontRef>
+        </p:style>
+        <p:txBody>
+          <a:bodyPr rtlCol="0" anchor="ctr"/>
+          <a:lstStyle/>
+          <a:p>
+            <a:pPr algn="ctr"/>
+            <a:r>
+              <a:rPr lang="en-US" sz="1200" dirty="0"/>
+              <a:t>Files</a:t>
+            </a:r>
+          </a:p>
+          <a:p>
+            <a:pPr algn="ctr"/>
+            <a:endParaRPr lang="en-US" sz="1200" dirty="0"/>
+          </a:p>
+        </p:txBody>
+      </p:sp>
+      <p:sp>
+        <p:nvSpPr>
+          <p:cNvPr id="9" name="Rounded Rectangle 8">
+            <a:extLst>
+              <a:ext uri="{FF2B5EF4-FFF2-40B4-BE49-F238E27FC236}">
+                <a16:creationId xmlns:a16="http://schemas.microsoft.com/office/drawing/2014/main" id="{B9CAE208-3F1F-F5AD-EBFE-73E1F12F7FC0}"/>
+              </a:ext>
+            </a:extLst>
+          </p:cNvPr>
+          <p:cNvSpPr/>
+          <p:nvPr/>
+        </p:nvSpPr>
+        <p:spPr>
+          <a:xfrm>
+            <a:off x="8933604" y="894718"/>
+            <a:ext cx="2173087" cy="612270"/>
+          </a:xfrm>
+          <a:prstGeom prst="roundRect">
+            <a:avLst/>
+          </a:prstGeom>
+          <a:solidFill>
+            <a:schemeClr val="accent6">
+              <a:lumMod val="20000"/>
+              <a:lumOff val="80000"/>
+            </a:schemeClr>
+          </a:solidFill>
+          <a:ln w="12700">
+            <a:solidFill>
+              <a:schemeClr val="tx1"/>
+            </a:solidFill>
+          </a:ln>
+          <a:effectLst>
+            <a:outerShdw blurRad="50800" dist="38100" dir="2700000" algn="tl" rotWithShape="0">
+              <a:prstClr val="black">
+                <a:alpha val="40000"/>
+              </a:prstClr>
+            </a:outerShdw>
+          </a:effectLst>
+        </p:spPr>
+        <p:style>
+          <a:lnRef idx="1">
+            <a:schemeClr val="accent4"/>
+          </a:lnRef>
+          <a:fillRef idx="2">
+            <a:schemeClr val="accent4"/>
+          </a:fillRef>
+          <a:effectRef idx="1">
+            <a:schemeClr val="accent4"/>
+          </a:effectRef>
+          <a:fontRef idx="minor">
+            <a:schemeClr val="dk1"/>
+          </a:fontRef>
+        </p:style>
+        <p:txBody>
+          <a:bodyPr rtlCol="0" anchor="ctr"/>
+          <a:lstStyle/>
+          <a:p>
+            <a:pPr algn="ctr"/>
+            <a:r>
+              <a:rPr lang="en-US" sz="1600" dirty="0" err="1"/>
+              <a:t>Pyhon</a:t>
+            </a:r>
+            <a:r>
+              <a:rPr lang="en-US" sz="1600" dirty="0"/>
+              <a:t> API</a:t>
+            </a:r>
+          </a:p>
+        </p:txBody>
+      </p:sp>
+      <p:pic>
+        <p:nvPicPr>
+          <p:cNvPr id="31" name="Graphic 30" descr="User with solid fill">
+            <a:extLst>
+              <a:ext uri="{FF2B5EF4-FFF2-40B4-BE49-F238E27FC236}">
+                <a16:creationId xmlns:a16="http://schemas.microsoft.com/office/drawing/2014/main" id="{0DBCAC7B-6D2E-AEB2-ED30-5BAD3CF7A8B9}"/>
+              </a:ext>
+            </a:extLst>
+          </p:cNvPr>
+          <p:cNvPicPr>
+            <a:picLocks noChangeAspect="1"/>
+          </p:cNvPicPr>
+          <p:nvPr/>
+        </p:nvPicPr>
+        <p:blipFill>
+          <a:blip r:embed="rId3">
+            <a:extLst>
+              <a:ext uri="{96DAC541-7B7A-43D3-8B79-37D633B846F1}">
+                <asvg:svgBlip xmlns:asvg="http://schemas.microsoft.com/office/drawing/2016/SVG/main" r:embed="rId4"/>
+              </a:ext>
+            </a:extLst>
+          </a:blip>
+          <a:stretch>
+            <a:fillRect/>
+          </a:stretch>
+        </p:blipFill>
+        <p:spPr>
+          <a:xfrm>
+            <a:off x="9725770" y="164439"/>
+            <a:ext cx="605300" cy="602712"/>
+          </a:xfrm>
+          <a:prstGeom prst="rect">
+            <a:avLst/>
+          </a:prstGeom>
+          <a:effectLst>
+            <a:outerShdw blurRad="50800" dist="38100" dir="2700000" algn="tl" rotWithShape="0">
+              <a:prstClr val="black">
+                <a:alpha val="40000"/>
+              </a:prstClr>
+            </a:outerShdw>
+          </a:effectLst>
+        </p:spPr>
+      </p:pic>
+      <p:pic>
+        <p:nvPicPr>
+          <p:cNvPr id="38" name="Graphic 37" descr="User with solid fill">
+            <a:extLst>
+              <a:ext uri="{FF2B5EF4-FFF2-40B4-BE49-F238E27FC236}">
+                <a16:creationId xmlns:a16="http://schemas.microsoft.com/office/drawing/2014/main" id="{C6C8B1B6-1A5B-DA18-B3A8-189A7D85B430}"/>
+              </a:ext>
+            </a:extLst>
+          </p:cNvPr>
+          <p:cNvPicPr>
+            <a:picLocks noChangeAspect="1"/>
+          </p:cNvPicPr>
+          <p:nvPr/>
+        </p:nvPicPr>
+        <p:blipFill>
+          <a:blip r:embed="rId5">
+            <a:extLst>
+              <a:ext uri="{96DAC541-7B7A-43D3-8B79-37D633B846F1}">
+                <asvg:svgBlip xmlns:asvg="http://schemas.microsoft.com/office/drawing/2016/SVG/main" r:embed="rId6"/>
+              </a:ext>
+            </a:extLst>
+          </a:blip>
+          <a:stretch>
+            <a:fillRect/>
+          </a:stretch>
+        </p:blipFill>
+        <p:spPr>
+          <a:xfrm>
+            <a:off x="4929316" y="157707"/>
+            <a:ext cx="605300" cy="602712"/>
+          </a:xfrm>
+          <a:prstGeom prst="rect">
+            <a:avLst/>
+          </a:prstGeom>
+          <a:effectLst>
+            <a:outerShdw blurRad="50800" dist="38100" dir="2700000" algn="tl" rotWithShape="0">
+              <a:prstClr val="black">
+                <a:alpha val="40000"/>
+              </a:prstClr>
+            </a:outerShdw>
+          </a:effectLst>
+        </p:spPr>
+      </p:pic>
+      <p:pic>
+        <p:nvPicPr>
+          <p:cNvPr id="41" name="Graphic 40" descr="User with solid fill">
+            <a:extLst>
+              <a:ext uri="{FF2B5EF4-FFF2-40B4-BE49-F238E27FC236}">
+                <a16:creationId xmlns:a16="http://schemas.microsoft.com/office/drawing/2014/main" id="{19AB6EDB-8542-1469-AE8F-52CF4238E525}"/>
+              </a:ext>
+            </a:extLst>
+          </p:cNvPr>
+          <p:cNvPicPr>
+            <a:picLocks noChangeAspect="1"/>
+          </p:cNvPicPr>
+          <p:nvPr/>
+        </p:nvPicPr>
+        <p:blipFill>
+          <a:blip r:embed="rId5">
+            <a:extLst>
+              <a:ext uri="{96DAC541-7B7A-43D3-8B79-37D633B846F1}">
+                <asvg:svgBlip xmlns:asvg="http://schemas.microsoft.com/office/drawing/2016/SVG/main" r:embed="rId6"/>
+              </a:ext>
+            </a:extLst>
+          </a:blip>
+          <a:stretch>
+            <a:fillRect/>
+          </a:stretch>
+        </p:blipFill>
+        <p:spPr>
+          <a:xfrm>
+            <a:off x="2512174" y="242473"/>
+            <a:ext cx="605300" cy="602712"/>
+          </a:xfrm>
+          <a:prstGeom prst="rect">
+            <a:avLst/>
+          </a:prstGeom>
+          <a:effectLst>
+            <a:outerShdw blurRad="50800" dist="38100" dir="2700000" algn="tl" rotWithShape="0">
+              <a:prstClr val="black">
+                <a:alpha val="40000"/>
+              </a:prstClr>
+            </a:outerShdw>
+          </a:effectLst>
+        </p:spPr>
+      </p:pic>
+      <p:sp>
+        <p:nvSpPr>
+          <p:cNvPr id="42" name="TextBox 41">
+            <a:extLst>
+              <a:ext uri="{FF2B5EF4-FFF2-40B4-BE49-F238E27FC236}">
+                <a16:creationId xmlns:a16="http://schemas.microsoft.com/office/drawing/2014/main" id="{DC916592-E3F3-AFA0-66F7-6F1316E88E43}"/>
+              </a:ext>
+            </a:extLst>
+          </p:cNvPr>
+          <p:cNvSpPr txBox="1"/>
+          <p:nvPr/>
+        </p:nvSpPr>
+        <p:spPr>
+          <a:xfrm>
+            <a:off x="8233018" y="306796"/>
+            <a:ext cx="1236877" cy="369332"/>
+          </a:xfrm>
+          <a:prstGeom prst="rect">
+            <a:avLst/>
+          </a:prstGeom>
+          <a:noFill/>
+        </p:spPr>
+        <p:txBody>
+          <a:bodyPr wrap="none" rtlCol="0">
+            <a:spAutoFit/>
+          </a:bodyPr>
+          <a:lstStyle/>
+          <a:p>
+            <a:r>
+              <a:rPr lang="en-US" dirty="0"/>
+              <a:t>Developers</a:t>
+            </a:r>
+          </a:p>
+        </p:txBody>
+      </p:sp>
+      <p:sp>
+        <p:nvSpPr>
+          <p:cNvPr id="43" name="TextBox 42">
+            <a:extLst>
+              <a:ext uri="{FF2B5EF4-FFF2-40B4-BE49-F238E27FC236}">
+                <a16:creationId xmlns:a16="http://schemas.microsoft.com/office/drawing/2014/main" id="{BAB1F792-3A25-CDB6-C273-707A44A81ECE}"/>
+              </a:ext>
+            </a:extLst>
+          </p:cNvPr>
+          <p:cNvSpPr txBox="1"/>
+          <p:nvPr/>
+        </p:nvSpPr>
+        <p:spPr>
+          <a:xfrm>
+            <a:off x="3628158" y="307748"/>
+            <a:ext cx="703269" cy="369332"/>
+          </a:xfrm>
+          <a:prstGeom prst="rect">
+            <a:avLst/>
+          </a:prstGeom>
+          <a:noFill/>
+        </p:spPr>
+        <p:txBody>
+          <a:bodyPr wrap="none" rtlCol="0">
+            <a:spAutoFit/>
+          </a:bodyPr>
+          <a:lstStyle/>
+          <a:p>
+            <a:r>
+              <a:rPr lang="en-US" dirty="0"/>
+              <a:t>Users</a:t>
             </a:r>
           </a:p>
         </p:txBody>
@@ -5417,6 +6077,1681 @@
 </file>
 
 <file path=ppt/slides/slide2.xml><?xml version="1.0" encoding="utf-8"?>
+<p:sld xmlns:a="http://schemas.openxmlformats.org/drawingml/2006/main" xmlns:r="http://schemas.openxmlformats.org/officeDocument/2006/relationships" xmlns:p="http://schemas.openxmlformats.org/presentationml/2006/main">
+  <p:cSld>
+    <p:spTree>
+      <p:nvGrpSpPr>
+        <p:cNvPr id="1" name=""/>
+        <p:cNvGrpSpPr/>
+        <p:nvPr/>
+      </p:nvGrpSpPr>
+      <p:grpSpPr>
+        <a:xfrm>
+          <a:off x="0" y="0"/>
+          <a:ext cx="0" cy="0"/>
+          <a:chOff x="0" y="0"/>
+          <a:chExt cx="0" cy="0"/>
+        </a:xfrm>
+      </p:grpSpPr>
+      <p:sp>
+        <p:nvSpPr>
+          <p:cNvPr id="30" name="Rounded Rectangle 29">
+            <a:extLst>
+              <a:ext uri="{FF2B5EF4-FFF2-40B4-BE49-F238E27FC236}">
+                <a16:creationId xmlns:a16="http://schemas.microsoft.com/office/drawing/2014/main" id="{46B20BC1-CB79-3EAD-3CC3-C1D02C100A0C}"/>
+              </a:ext>
+            </a:extLst>
+          </p:cNvPr>
+          <p:cNvSpPr/>
+          <p:nvPr/>
+        </p:nvSpPr>
+        <p:spPr>
+          <a:xfrm>
+            <a:off x="6089435" y="855552"/>
+            <a:ext cx="2173087" cy="619001"/>
+          </a:xfrm>
+          <a:prstGeom prst="roundRect">
+            <a:avLst/>
+          </a:prstGeom>
+          <a:solidFill>
+            <a:schemeClr val="accent6">
+              <a:lumMod val="20000"/>
+              <a:lumOff val="80000"/>
+            </a:schemeClr>
+          </a:solidFill>
+          <a:ln w="12700">
+            <a:solidFill>
+              <a:schemeClr val="tx1"/>
+            </a:solidFill>
+          </a:ln>
+          <a:effectLst>
+            <a:outerShdw blurRad="50800" dist="38100" dir="2700000" algn="tl" rotWithShape="0">
+              <a:prstClr val="black">
+                <a:alpha val="40000"/>
+              </a:prstClr>
+            </a:outerShdw>
+          </a:effectLst>
+        </p:spPr>
+        <p:style>
+          <a:lnRef idx="1">
+            <a:schemeClr val="accent4"/>
+          </a:lnRef>
+          <a:fillRef idx="2">
+            <a:schemeClr val="accent4"/>
+          </a:fillRef>
+          <a:effectRef idx="1">
+            <a:schemeClr val="accent4"/>
+          </a:effectRef>
+          <a:fontRef idx="minor">
+            <a:schemeClr val="dk1"/>
+          </a:fontRef>
+        </p:style>
+        <p:txBody>
+          <a:bodyPr rtlCol="0" anchor="ctr"/>
+          <a:lstStyle/>
+          <a:p>
+            <a:pPr algn="ctr"/>
+            <a:r>
+              <a:rPr lang="en-US" sz="1600" dirty="0"/>
+              <a:t>Browser</a:t>
+            </a:r>
+          </a:p>
+        </p:txBody>
+      </p:sp>
+      <p:sp>
+        <p:nvSpPr>
+          <p:cNvPr id="10" name="Can 9">
+            <a:extLst>
+              <a:ext uri="{FF2B5EF4-FFF2-40B4-BE49-F238E27FC236}">
+                <a16:creationId xmlns:a16="http://schemas.microsoft.com/office/drawing/2014/main" id="{94EB7DA4-EC8F-8EFE-EE3E-55878C3186D4}"/>
+              </a:ext>
+            </a:extLst>
+          </p:cNvPr>
+          <p:cNvSpPr/>
+          <p:nvPr/>
+        </p:nvSpPr>
+        <p:spPr>
+          <a:xfrm>
+            <a:off x="3491513" y="3832789"/>
+            <a:ext cx="750638" cy="801607"/>
+          </a:xfrm>
+          <a:prstGeom prst="can">
+            <a:avLst/>
+          </a:prstGeom>
+          <a:solidFill>
+            <a:schemeClr val="bg2">
+              <a:lumMod val="90000"/>
+            </a:schemeClr>
+          </a:solidFill>
+          <a:effectLst>
+            <a:outerShdw blurRad="50800" dist="38100" dir="2700000" algn="tl" rotWithShape="0">
+              <a:prstClr val="black">
+                <a:alpha val="40000"/>
+              </a:prstClr>
+            </a:outerShdw>
+          </a:effectLst>
+        </p:spPr>
+        <p:style>
+          <a:lnRef idx="1">
+            <a:schemeClr val="accent2"/>
+          </a:lnRef>
+          <a:fillRef idx="2">
+            <a:schemeClr val="accent2"/>
+          </a:fillRef>
+          <a:effectRef idx="1">
+            <a:schemeClr val="accent2"/>
+          </a:effectRef>
+          <a:fontRef idx="minor">
+            <a:schemeClr val="dk1"/>
+          </a:fontRef>
+        </p:style>
+        <p:txBody>
+          <a:bodyPr rtlCol="0" anchor="ctr"/>
+          <a:lstStyle/>
+          <a:p>
+            <a:pPr algn="ctr"/>
+            <a:r>
+              <a:rPr lang="en-US" sz="1200" dirty="0" err="1"/>
+              <a:t>YamlDB</a:t>
+            </a:r>
+            <a:endParaRPr lang="en-US" sz="1200" dirty="0"/>
+          </a:p>
+          <a:p>
+            <a:pPr algn="ctr"/>
+            <a:r>
+              <a:rPr lang="en-US" sz="1200" dirty="0"/>
+              <a:t>(File)</a:t>
+            </a:r>
+          </a:p>
+        </p:txBody>
+      </p:sp>
+      <p:pic>
+        <p:nvPicPr>
+          <p:cNvPr id="12" name="Graphic 11" descr="User with solid fill">
+            <a:extLst>
+              <a:ext uri="{FF2B5EF4-FFF2-40B4-BE49-F238E27FC236}">
+                <a16:creationId xmlns:a16="http://schemas.microsoft.com/office/drawing/2014/main" id="{F52A1A7F-2FE4-F3F7-BA54-1AE0C98ACF3E}"/>
+              </a:ext>
+            </a:extLst>
+          </p:cNvPr>
+          <p:cNvPicPr>
+            <a:picLocks noChangeAspect="1"/>
+          </p:cNvPicPr>
+          <p:nvPr/>
+        </p:nvPicPr>
+        <p:blipFill>
+          <a:blip r:embed="rId3">
+            <a:extLst>
+              <a:ext uri="{96DAC541-7B7A-43D3-8B79-37D633B846F1}">
+                <asvg:svgBlip xmlns:asvg="http://schemas.microsoft.com/office/drawing/2016/SVG/main" r:embed="rId4"/>
+              </a:ext>
+            </a:extLst>
+          </a:blip>
+          <a:stretch>
+            <a:fillRect/>
+          </a:stretch>
+        </p:blipFill>
+        <p:spPr>
+          <a:xfrm>
+            <a:off x="5694272" y="305971"/>
+            <a:ext cx="605300" cy="602712"/>
+          </a:xfrm>
+          <a:prstGeom prst="rect">
+            <a:avLst/>
+          </a:prstGeom>
+          <a:effectLst>
+            <a:outerShdw blurRad="50800" dist="38100" dir="2700000" algn="tl" rotWithShape="0">
+              <a:prstClr val="black">
+                <a:alpha val="40000"/>
+              </a:prstClr>
+            </a:outerShdw>
+          </a:effectLst>
+        </p:spPr>
+      </p:pic>
+      <p:sp>
+        <p:nvSpPr>
+          <p:cNvPr id="15" name="Rounded Rectangle 14">
+            <a:extLst>
+              <a:ext uri="{FF2B5EF4-FFF2-40B4-BE49-F238E27FC236}">
+                <a16:creationId xmlns:a16="http://schemas.microsoft.com/office/drawing/2014/main" id="{D65629B4-6309-AE3A-115F-A78421248900}"/>
+              </a:ext>
+            </a:extLst>
+          </p:cNvPr>
+          <p:cNvSpPr/>
+          <p:nvPr/>
+        </p:nvSpPr>
+        <p:spPr>
+          <a:xfrm>
+            <a:off x="3502702" y="2411599"/>
+            <a:ext cx="1461245" cy="619001"/>
+          </a:xfrm>
+          <a:prstGeom prst="roundRect">
+            <a:avLst/>
+          </a:prstGeom>
+          <a:solidFill>
+            <a:schemeClr val="tx2">
+              <a:lumMod val="20000"/>
+              <a:lumOff val="80000"/>
+            </a:schemeClr>
+          </a:solidFill>
+          <a:ln w="12700">
+            <a:solidFill>
+              <a:schemeClr val="tx1"/>
+            </a:solidFill>
+          </a:ln>
+          <a:effectLst>
+            <a:outerShdw blurRad="50800" dist="38100" dir="2700000" algn="tl" rotWithShape="0">
+              <a:prstClr val="black">
+                <a:alpha val="40000"/>
+              </a:prstClr>
+            </a:outerShdw>
+          </a:effectLst>
+        </p:spPr>
+        <p:style>
+          <a:lnRef idx="1">
+            <a:schemeClr val="accent4"/>
+          </a:lnRef>
+          <a:fillRef idx="2">
+            <a:schemeClr val="accent4"/>
+          </a:fillRef>
+          <a:effectRef idx="1">
+            <a:schemeClr val="accent4"/>
+          </a:effectRef>
+          <a:fontRef idx="minor">
+            <a:schemeClr val="dk1"/>
+          </a:fontRef>
+        </p:style>
+        <p:txBody>
+          <a:bodyPr rtlCol="0" anchor="ctr"/>
+          <a:lstStyle/>
+          <a:p>
+            <a:pPr algn="ctr"/>
+            <a:r>
+              <a:rPr lang="en-US" sz="1600" dirty="0"/>
+              <a:t>Workflow </a:t>
+            </a:r>
+          </a:p>
+          <a:p>
+            <a:pPr algn="ctr"/>
+            <a:r>
+              <a:rPr lang="en-US" sz="1600" dirty="0"/>
+              <a:t>Storage</a:t>
+            </a:r>
+          </a:p>
+        </p:txBody>
+      </p:sp>
+      <p:sp>
+        <p:nvSpPr>
+          <p:cNvPr id="16" name="Rounded Rectangle 15">
+            <a:extLst>
+              <a:ext uri="{FF2B5EF4-FFF2-40B4-BE49-F238E27FC236}">
+                <a16:creationId xmlns:a16="http://schemas.microsoft.com/office/drawing/2014/main" id="{DD400AA7-AC31-38AD-22A6-B54AC5FBFDC1}"/>
+              </a:ext>
+            </a:extLst>
+          </p:cNvPr>
+          <p:cNvSpPr/>
+          <p:nvPr/>
+        </p:nvSpPr>
+        <p:spPr>
+          <a:xfrm>
+            <a:off x="5154818" y="2408109"/>
+            <a:ext cx="1461245" cy="619001"/>
+          </a:xfrm>
+          <a:prstGeom prst="roundRect">
+            <a:avLst/>
+          </a:prstGeom>
+          <a:solidFill>
+            <a:schemeClr val="accent5">
+              <a:lumMod val="20000"/>
+              <a:lumOff val="80000"/>
+            </a:schemeClr>
+          </a:solidFill>
+          <a:ln w="12700">
+            <a:solidFill>
+              <a:schemeClr val="tx1"/>
+            </a:solidFill>
+          </a:ln>
+          <a:effectLst>
+            <a:outerShdw blurRad="50800" dist="38100" dir="2700000" algn="tl" rotWithShape="0">
+              <a:prstClr val="black">
+                <a:alpha val="40000"/>
+              </a:prstClr>
+            </a:outerShdw>
+          </a:effectLst>
+        </p:spPr>
+        <p:style>
+          <a:lnRef idx="1">
+            <a:schemeClr val="accent4"/>
+          </a:lnRef>
+          <a:fillRef idx="2">
+            <a:schemeClr val="accent4"/>
+          </a:fillRef>
+          <a:effectRef idx="1">
+            <a:schemeClr val="accent4"/>
+          </a:effectRef>
+          <a:fontRef idx="minor">
+            <a:schemeClr val="dk1"/>
+          </a:fontRef>
+        </p:style>
+        <p:txBody>
+          <a:bodyPr rtlCol="0" anchor="ctr"/>
+          <a:lstStyle/>
+          <a:p>
+            <a:pPr algn="ctr"/>
+            <a:r>
+              <a:rPr lang="en-US" sz="1600" dirty="0"/>
+              <a:t>Workflow </a:t>
+            </a:r>
+          </a:p>
+          <a:p>
+            <a:pPr algn="ctr"/>
+            <a:r>
+              <a:rPr lang="en-US" sz="1600" dirty="0"/>
+              <a:t>Executor</a:t>
+            </a:r>
+          </a:p>
+        </p:txBody>
+      </p:sp>
+      <p:sp>
+        <p:nvSpPr>
+          <p:cNvPr id="17" name="Rounded Rectangle 16">
+            <a:extLst>
+              <a:ext uri="{FF2B5EF4-FFF2-40B4-BE49-F238E27FC236}">
+                <a16:creationId xmlns:a16="http://schemas.microsoft.com/office/drawing/2014/main" id="{6F9436B4-030A-6291-10EA-FD08339A5B2F}"/>
+              </a:ext>
+            </a:extLst>
+          </p:cNvPr>
+          <p:cNvSpPr/>
+          <p:nvPr/>
+        </p:nvSpPr>
+        <p:spPr>
+          <a:xfrm>
+            <a:off x="6771773" y="2411599"/>
+            <a:ext cx="1461245" cy="619001"/>
+          </a:xfrm>
+          <a:prstGeom prst="roundRect">
+            <a:avLst/>
+          </a:prstGeom>
+          <a:solidFill>
+            <a:schemeClr val="accent2">
+              <a:lumMod val="20000"/>
+              <a:lumOff val="80000"/>
+            </a:schemeClr>
+          </a:solidFill>
+          <a:ln w="12700">
+            <a:solidFill>
+              <a:schemeClr val="tx1"/>
+            </a:solidFill>
+          </a:ln>
+          <a:effectLst>
+            <a:outerShdw blurRad="50800" dist="38100" dir="2700000" algn="tl" rotWithShape="0">
+              <a:prstClr val="black">
+                <a:alpha val="40000"/>
+              </a:prstClr>
+            </a:outerShdw>
+          </a:effectLst>
+        </p:spPr>
+        <p:style>
+          <a:lnRef idx="1">
+            <a:schemeClr val="accent4"/>
+          </a:lnRef>
+          <a:fillRef idx="2">
+            <a:schemeClr val="accent4"/>
+          </a:fillRef>
+          <a:effectRef idx="1">
+            <a:schemeClr val="accent4"/>
+          </a:effectRef>
+          <a:fontRef idx="minor">
+            <a:schemeClr val="dk1"/>
+          </a:fontRef>
+        </p:style>
+        <p:txBody>
+          <a:bodyPr rtlCol="0" anchor="ctr"/>
+          <a:lstStyle/>
+          <a:p>
+            <a:pPr algn="ctr"/>
+            <a:r>
+              <a:rPr lang="en-US" sz="1600" dirty="0"/>
+              <a:t>Workflow </a:t>
+            </a:r>
+          </a:p>
+          <a:p>
+            <a:pPr algn="ctr"/>
+            <a:r>
+              <a:rPr lang="en-US" sz="1600" dirty="0"/>
+              <a:t>Monitor</a:t>
+            </a:r>
+          </a:p>
+        </p:txBody>
+      </p:sp>
+      <p:sp>
+        <p:nvSpPr>
+          <p:cNvPr id="18" name="Rounded Rectangle 17">
+            <a:extLst>
+              <a:ext uri="{FF2B5EF4-FFF2-40B4-BE49-F238E27FC236}">
+                <a16:creationId xmlns:a16="http://schemas.microsoft.com/office/drawing/2014/main" id="{D3146123-79CF-A646-FA93-A4ED51D14D0E}"/>
+              </a:ext>
+            </a:extLst>
+          </p:cNvPr>
+          <p:cNvSpPr/>
+          <p:nvPr/>
+        </p:nvSpPr>
+        <p:spPr>
+          <a:xfrm rot="16200000">
+            <a:off x="3738022" y="4883879"/>
+            <a:ext cx="1920805" cy="387435"/>
+          </a:xfrm>
+          <a:prstGeom prst="roundRect">
+            <a:avLst/>
+          </a:prstGeom>
+          <a:solidFill>
+            <a:schemeClr val="accent5">
+              <a:lumMod val="20000"/>
+              <a:lumOff val="80000"/>
+            </a:schemeClr>
+          </a:solidFill>
+          <a:ln w="12700">
+            <a:solidFill>
+              <a:schemeClr val="tx1"/>
+            </a:solidFill>
+          </a:ln>
+          <a:effectLst>
+            <a:outerShdw blurRad="50800" dist="38100" dir="2700000" algn="tl" rotWithShape="0">
+              <a:prstClr val="black">
+                <a:alpha val="40000"/>
+              </a:prstClr>
+            </a:outerShdw>
+          </a:effectLst>
+        </p:spPr>
+        <p:style>
+          <a:lnRef idx="1">
+            <a:schemeClr val="accent4"/>
+          </a:lnRef>
+          <a:fillRef idx="2">
+            <a:schemeClr val="accent4"/>
+          </a:fillRef>
+          <a:effectRef idx="1">
+            <a:schemeClr val="accent4"/>
+          </a:effectRef>
+          <a:fontRef idx="minor">
+            <a:schemeClr val="dk1"/>
+          </a:fontRef>
+        </p:style>
+        <p:txBody>
+          <a:bodyPr rtlCol="0" anchor="ctr"/>
+          <a:lstStyle/>
+          <a:p>
+            <a:pPr algn="ctr"/>
+            <a:r>
+              <a:rPr lang="en-US" sz="1200" dirty="0"/>
+              <a:t>Localhost (Linux)</a:t>
+            </a:r>
+          </a:p>
+        </p:txBody>
+      </p:sp>
+      <p:sp>
+        <p:nvSpPr>
+          <p:cNvPr id="19" name="Right Brace 18">
+            <a:extLst>
+              <a:ext uri="{FF2B5EF4-FFF2-40B4-BE49-F238E27FC236}">
+                <a16:creationId xmlns:a16="http://schemas.microsoft.com/office/drawing/2014/main" id="{310CF117-4962-3881-6F2D-16F1FB7FA46A}"/>
+              </a:ext>
+            </a:extLst>
+          </p:cNvPr>
+          <p:cNvSpPr/>
+          <p:nvPr/>
+        </p:nvSpPr>
+        <p:spPr>
+          <a:xfrm rot="16200000">
+            <a:off x="5798797" y="2241389"/>
+            <a:ext cx="276146" cy="2021755"/>
+          </a:xfrm>
+          <a:prstGeom prst="rightBrace">
+            <a:avLst/>
+          </a:prstGeom>
+          <a:ln w="25400">
+            <a:solidFill>
+              <a:schemeClr val="tx1"/>
+            </a:solidFill>
+          </a:ln>
+        </p:spPr>
+        <p:style>
+          <a:lnRef idx="1">
+            <a:schemeClr val="accent1"/>
+          </a:lnRef>
+          <a:fillRef idx="0">
+            <a:schemeClr val="accent1"/>
+          </a:fillRef>
+          <a:effectRef idx="0">
+            <a:schemeClr val="accent1"/>
+          </a:effectRef>
+          <a:fontRef idx="minor">
+            <a:schemeClr val="tx1"/>
+          </a:fontRef>
+        </p:style>
+        <p:txBody>
+          <a:bodyPr rtlCol="0" anchor="ctr"/>
+          <a:lstStyle/>
+          <a:p>
+            <a:pPr algn="ctr"/>
+            <a:endParaRPr lang="en-US" sz="1200"/>
+          </a:p>
+        </p:txBody>
+      </p:sp>
+      <p:sp>
+        <p:nvSpPr>
+          <p:cNvPr id="20" name="Rounded Rectangle 19">
+            <a:extLst>
+              <a:ext uri="{FF2B5EF4-FFF2-40B4-BE49-F238E27FC236}">
+                <a16:creationId xmlns:a16="http://schemas.microsoft.com/office/drawing/2014/main" id="{FD925B87-C932-CEDD-530F-1CB2ADF42EF1}"/>
+              </a:ext>
+            </a:extLst>
+          </p:cNvPr>
+          <p:cNvSpPr/>
+          <p:nvPr/>
+        </p:nvSpPr>
+        <p:spPr>
+          <a:xfrm rot="16200000">
+            <a:off x="4133558" y="4880941"/>
+            <a:ext cx="1920805" cy="387435"/>
+          </a:xfrm>
+          <a:prstGeom prst="roundRect">
+            <a:avLst/>
+          </a:prstGeom>
+          <a:solidFill>
+            <a:schemeClr val="accent5">
+              <a:lumMod val="20000"/>
+              <a:lumOff val="80000"/>
+            </a:schemeClr>
+          </a:solidFill>
+          <a:ln w="12700">
+            <a:solidFill>
+              <a:schemeClr val="tx1"/>
+            </a:solidFill>
+          </a:ln>
+          <a:effectLst>
+            <a:outerShdw blurRad="50800" dist="38100" dir="2700000" algn="tl" rotWithShape="0">
+              <a:prstClr val="black">
+                <a:alpha val="40000"/>
+              </a:prstClr>
+            </a:outerShdw>
+          </a:effectLst>
+        </p:spPr>
+        <p:style>
+          <a:lnRef idx="1">
+            <a:schemeClr val="accent4"/>
+          </a:lnRef>
+          <a:fillRef idx="2">
+            <a:schemeClr val="accent4"/>
+          </a:fillRef>
+          <a:effectRef idx="1">
+            <a:schemeClr val="accent4"/>
+          </a:effectRef>
+          <a:fontRef idx="minor">
+            <a:schemeClr val="dk1"/>
+          </a:fontRef>
+        </p:style>
+        <p:txBody>
+          <a:bodyPr rtlCol="0" anchor="ctr"/>
+          <a:lstStyle/>
+          <a:p>
+            <a:pPr algn="ctr"/>
+            <a:r>
+              <a:rPr lang="en-US" sz="1200" dirty="0"/>
+              <a:t>Localhost (</a:t>
+            </a:r>
+            <a:r>
+              <a:rPr lang="en-US" sz="1200" dirty="0" err="1"/>
+              <a:t>MacOs</a:t>
+            </a:r>
+            <a:r>
+              <a:rPr lang="en-US" sz="1200" dirty="0"/>
+              <a:t>)</a:t>
+            </a:r>
+          </a:p>
+        </p:txBody>
+      </p:sp>
+      <p:sp>
+        <p:nvSpPr>
+          <p:cNvPr id="21" name="Rounded Rectangle 20">
+            <a:extLst>
+              <a:ext uri="{FF2B5EF4-FFF2-40B4-BE49-F238E27FC236}">
+                <a16:creationId xmlns:a16="http://schemas.microsoft.com/office/drawing/2014/main" id="{95C7D0B3-25D9-BE08-0DE1-FCC18C1C9195}"/>
+              </a:ext>
+            </a:extLst>
+          </p:cNvPr>
+          <p:cNvSpPr/>
+          <p:nvPr/>
+        </p:nvSpPr>
+        <p:spPr>
+          <a:xfrm rot="16200000">
+            <a:off x="4540152" y="4880940"/>
+            <a:ext cx="1920805" cy="387435"/>
+          </a:xfrm>
+          <a:prstGeom prst="roundRect">
+            <a:avLst/>
+          </a:prstGeom>
+          <a:solidFill>
+            <a:schemeClr val="accent5">
+              <a:lumMod val="20000"/>
+              <a:lumOff val="80000"/>
+            </a:schemeClr>
+          </a:solidFill>
+          <a:ln w="12700">
+            <a:solidFill>
+              <a:schemeClr val="tx1"/>
+            </a:solidFill>
+          </a:ln>
+          <a:effectLst>
+            <a:outerShdw blurRad="50800" dist="38100" dir="2700000" algn="tl" rotWithShape="0">
+              <a:prstClr val="black">
+                <a:alpha val="40000"/>
+              </a:prstClr>
+            </a:outerShdw>
+          </a:effectLst>
+        </p:spPr>
+        <p:style>
+          <a:lnRef idx="1">
+            <a:schemeClr val="accent4"/>
+          </a:lnRef>
+          <a:fillRef idx="2">
+            <a:schemeClr val="accent4"/>
+          </a:fillRef>
+          <a:effectRef idx="1">
+            <a:schemeClr val="accent4"/>
+          </a:effectRef>
+          <a:fontRef idx="minor">
+            <a:schemeClr val="dk1"/>
+          </a:fontRef>
+        </p:style>
+        <p:txBody>
+          <a:bodyPr rtlCol="0" anchor="ctr"/>
+          <a:lstStyle/>
+          <a:p>
+            <a:pPr algn="ctr"/>
+            <a:r>
+              <a:rPr lang="en-US" sz="1200" dirty="0"/>
+              <a:t>Localhost (Windows)</a:t>
+            </a:r>
+          </a:p>
+        </p:txBody>
+      </p:sp>
+      <p:sp>
+        <p:nvSpPr>
+          <p:cNvPr id="22" name="Right Brace 21">
+            <a:extLst>
+              <a:ext uri="{FF2B5EF4-FFF2-40B4-BE49-F238E27FC236}">
+                <a16:creationId xmlns:a16="http://schemas.microsoft.com/office/drawing/2014/main" id="{26F5C990-FEE0-33B3-5311-32F1A6109135}"/>
+              </a:ext>
+            </a:extLst>
+          </p:cNvPr>
+          <p:cNvSpPr/>
+          <p:nvPr/>
+        </p:nvSpPr>
+        <p:spPr>
+          <a:xfrm rot="16200000">
+            <a:off x="5132122" y="3044658"/>
+            <a:ext cx="276146" cy="1638480"/>
+          </a:xfrm>
+          <a:prstGeom prst="rightBrace">
+            <a:avLst>
+              <a:gd name="adj1" fmla="val 8333"/>
+              <a:gd name="adj2" fmla="val 29351"/>
+            </a:avLst>
+          </a:prstGeom>
+          <a:ln w="25400">
+            <a:solidFill>
+              <a:schemeClr val="tx1"/>
+            </a:solidFill>
+          </a:ln>
+        </p:spPr>
+        <p:style>
+          <a:lnRef idx="1">
+            <a:schemeClr val="accent1"/>
+          </a:lnRef>
+          <a:fillRef idx="0">
+            <a:schemeClr val="accent1"/>
+          </a:fillRef>
+          <a:effectRef idx="0">
+            <a:schemeClr val="accent1"/>
+          </a:effectRef>
+          <a:fontRef idx="minor">
+            <a:schemeClr val="tx1"/>
+          </a:fontRef>
+        </p:style>
+        <p:txBody>
+          <a:bodyPr rtlCol="0" anchor="ctr"/>
+          <a:lstStyle/>
+          <a:p>
+            <a:pPr algn="ctr"/>
+            <a:endParaRPr lang="en-US" sz="1200"/>
+          </a:p>
+        </p:txBody>
+      </p:sp>
+      <p:sp>
+        <p:nvSpPr>
+          <p:cNvPr id="23" name="TextBox 22">
+            <a:extLst>
+              <a:ext uri="{FF2B5EF4-FFF2-40B4-BE49-F238E27FC236}">
+                <a16:creationId xmlns:a16="http://schemas.microsoft.com/office/drawing/2014/main" id="{701B916A-335C-476F-BCA7-E0663E979534}"/>
+              </a:ext>
+            </a:extLst>
+          </p:cNvPr>
+          <p:cNvSpPr txBox="1"/>
+          <p:nvPr/>
+        </p:nvSpPr>
+        <p:spPr>
+          <a:xfrm>
+            <a:off x="4655654" y="3436362"/>
+            <a:ext cx="776366" cy="276999"/>
+          </a:xfrm>
+          <a:prstGeom prst="rect">
+            <a:avLst/>
+          </a:prstGeom>
+          <a:noFill/>
+        </p:spPr>
+        <p:txBody>
+          <a:bodyPr wrap="none" rtlCol="0">
+            <a:spAutoFit/>
+          </a:bodyPr>
+          <a:lstStyle/>
+          <a:p>
+            <a:r>
+              <a:rPr lang="en-US" sz="1200" dirty="0"/>
+              <a:t>Localhost</a:t>
+            </a:r>
+          </a:p>
+        </p:txBody>
+      </p:sp>
+      <p:sp>
+        <p:nvSpPr>
+          <p:cNvPr id="24" name="Rounded Rectangle 23">
+            <a:extLst>
+              <a:ext uri="{FF2B5EF4-FFF2-40B4-BE49-F238E27FC236}">
+                <a16:creationId xmlns:a16="http://schemas.microsoft.com/office/drawing/2014/main" id="{4850FF8B-2968-18A7-CCF1-8AE608ED5486}"/>
+              </a:ext>
+            </a:extLst>
+          </p:cNvPr>
+          <p:cNvSpPr/>
+          <p:nvPr/>
+        </p:nvSpPr>
+        <p:spPr>
+          <a:xfrm rot="16200000">
+            <a:off x="5645405" y="4883879"/>
+            <a:ext cx="1920805" cy="387435"/>
+          </a:xfrm>
+          <a:prstGeom prst="roundRect">
+            <a:avLst/>
+          </a:prstGeom>
+          <a:solidFill>
+            <a:schemeClr val="accent5">
+              <a:lumMod val="20000"/>
+              <a:lumOff val="80000"/>
+            </a:schemeClr>
+          </a:solidFill>
+          <a:ln w="12700">
+            <a:solidFill>
+              <a:schemeClr val="tx1"/>
+            </a:solidFill>
+          </a:ln>
+          <a:effectLst>
+            <a:outerShdw blurRad="50800" dist="38100" dir="2700000" algn="tl" rotWithShape="0">
+              <a:prstClr val="black">
+                <a:alpha val="40000"/>
+              </a:prstClr>
+            </a:outerShdw>
+          </a:effectLst>
+        </p:spPr>
+        <p:style>
+          <a:lnRef idx="1">
+            <a:schemeClr val="accent4"/>
+          </a:lnRef>
+          <a:fillRef idx="2">
+            <a:schemeClr val="accent4"/>
+          </a:fillRef>
+          <a:effectRef idx="1">
+            <a:schemeClr val="accent4"/>
+          </a:effectRef>
+          <a:fontRef idx="minor">
+            <a:schemeClr val="dk1"/>
+          </a:fontRef>
+        </p:style>
+        <p:txBody>
+          <a:bodyPr rtlCol="0" anchor="ctr"/>
+          <a:lstStyle/>
+          <a:p>
+            <a:pPr algn="ctr"/>
+            <a:r>
+              <a:rPr lang="en-US" sz="1200" dirty="0"/>
+              <a:t>SLURM</a:t>
+            </a:r>
+          </a:p>
+        </p:txBody>
+      </p:sp>
+      <p:sp>
+        <p:nvSpPr>
+          <p:cNvPr id="25" name="Rounded Rectangle 24">
+            <a:extLst>
+              <a:ext uri="{FF2B5EF4-FFF2-40B4-BE49-F238E27FC236}">
+                <a16:creationId xmlns:a16="http://schemas.microsoft.com/office/drawing/2014/main" id="{C28FA37A-DFD1-6508-FA21-152AE9B921D1}"/>
+              </a:ext>
+            </a:extLst>
+          </p:cNvPr>
+          <p:cNvSpPr/>
+          <p:nvPr/>
+        </p:nvSpPr>
+        <p:spPr>
+          <a:xfrm rot="16200000">
+            <a:off x="6040942" y="4880941"/>
+            <a:ext cx="1920805" cy="387435"/>
+          </a:xfrm>
+          <a:prstGeom prst="roundRect">
+            <a:avLst/>
+          </a:prstGeom>
+          <a:solidFill>
+            <a:schemeClr val="accent5">
+              <a:lumMod val="20000"/>
+              <a:lumOff val="80000"/>
+            </a:schemeClr>
+          </a:solidFill>
+          <a:ln w="12700">
+            <a:solidFill>
+              <a:schemeClr val="tx1"/>
+            </a:solidFill>
+          </a:ln>
+          <a:effectLst>
+            <a:outerShdw blurRad="50800" dist="38100" dir="2700000" algn="tl" rotWithShape="0">
+              <a:prstClr val="black">
+                <a:alpha val="40000"/>
+              </a:prstClr>
+            </a:outerShdw>
+          </a:effectLst>
+        </p:spPr>
+        <p:style>
+          <a:lnRef idx="1">
+            <a:schemeClr val="accent4"/>
+          </a:lnRef>
+          <a:fillRef idx="2">
+            <a:schemeClr val="accent4"/>
+          </a:fillRef>
+          <a:effectRef idx="1">
+            <a:schemeClr val="accent4"/>
+          </a:effectRef>
+          <a:fontRef idx="minor">
+            <a:schemeClr val="dk1"/>
+          </a:fontRef>
+        </p:style>
+        <p:txBody>
+          <a:bodyPr rtlCol="0" anchor="ctr"/>
+          <a:lstStyle/>
+          <a:p>
+            <a:pPr algn="ctr"/>
+            <a:r>
+              <a:rPr lang="en-US" sz="1200" dirty="0"/>
+              <a:t>LSF</a:t>
+            </a:r>
+          </a:p>
+        </p:txBody>
+      </p:sp>
+      <p:sp>
+        <p:nvSpPr>
+          <p:cNvPr id="26" name="Rounded Rectangle 25">
+            <a:extLst>
+              <a:ext uri="{FF2B5EF4-FFF2-40B4-BE49-F238E27FC236}">
+                <a16:creationId xmlns:a16="http://schemas.microsoft.com/office/drawing/2014/main" id="{E2C645B6-5DDF-CA5F-523F-00C34F91D035}"/>
+              </a:ext>
+            </a:extLst>
+          </p:cNvPr>
+          <p:cNvSpPr/>
+          <p:nvPr/>
+        </p:nvSpPr>
+        <p:spPr>
+          <a:xfrm rot="16200000">
+            <a:off x="6447535" y="4880940"/>
+            <a:ext cx="1920805" cy="387435"/>
+          </a:xfrm>
+          <a:prstGeom prst="roundRect">
+            <a:avLst/>
+          </a:prstGeom>
+          <a:solidFill>
+            <a:schemeClr val="accent5">
+              <a:lumMod val="20000"/>
+              <a:lumOff val="80000"/>
+            </a:schemeClr>
+          </a:solidFill>
+          <a:ln w="12700">
+            <a:solidFill>
+              <a:schemeClr val="tx1"/>
+            </a:solidFill>
+          </a:ln>
+          <a:effectLst>
+            <a:outerShdw blurRad="50800" dist="38100" dir="2700000" algn="tl" rotWithShape="0">
+              <a:prstClr val="black">
+                <a:alpha val="40000"/>
+              </a:prstClr>
+            </a:outerShdw>
+          </a:effectLst>
+        </p:spPr>
+        <p:style>
+          <a:lnRef idx="1">
+            <a:schemeClr val="accent4"/>
+          </a:lnRef>
+          <a:fillRef idx="2">
+            <a:schemeClr val="accent4"/>
+          </a:fillRef>
+          <a:effectRef idx="1">
+            <a:schemeClr val="accent4"/>
+          </a:effectRef>
+          <a:fontRef idx="minor">
+            <a:schemeClr val="dk1"/>
+          </a:fontRef>
+        </p:style>
+        <p:txBody>
+          <a:bodyPr rtlCol="0" anchor="ctr"/>
+          <a:lstStyle/>
+          <a:p>
+            <a:pPr algn="ctr"/>
+            <a:r>
+              <a:rPr lang="en-US" sz="1200" dirty="0"/>
+              <a:t>SSH</a:t>
+            </a:r>
+          </a:p>
+        </p:txBody>
+      </p:sp>
+      <p:sp>
+        <p:nvSpPr>
+          <p:cNvPr id="27" name="Right Brace 26">
+            <a:extLst>
+              <a:ext uri="{FF2B5EF4-FFF2-40B4-BE49-F238E27FC236}">
+                <a16:creationId xmlns:a16="http://schemas.microsoft.com/office/drawing/2014/main" id="{115B55E5-0F88-757C-7044-018011C15840}"/>
+              </a:ext>
+            </a:extLst>
+          </p:cNvPr>
+          <p:cNvSpPr/>
+          <p:nvPr/>
+        </p:nvSpPr>
+        <p:spPr>
+          <a:xfrm rot="16200000">
+            <a:off x="6841924" y="3242239"/>
+            <a:ext cx="276146" cy="1243318"/>
+          </a:xfrm>
+          <a:prstGeom prst="rightBrace">
+            <a:avLst/>
+          </a:prstGeom>
+          <a:ln w="25400">
+            <a:solidFill>
+              <a:schemeClr val="tx1"/>
+            </a:solidFill>
+          </a:ln>
+        </p:spPr>
+        <p:style>
+          <a:lnRef idx="1">
+            <a:schemeClr val="accent1"/>
+          </a:lnRef>
+          <a:fillRef idx="0">
+            <a:schemeClr val="accent1"/>
+          </a:fillRef>
+          <a:effectRef idx="0">
+            <a:schemeClr val="accent1"/>
+          </a:effectRef>
+          <a:fontRef idx="minor">
+            <a:schemeClr val="tx1"/>
+          </a:fontRef>
+        </p:style>
+        <p:txBody>
+          <a:bodyPr rtlCol="0" anchor="ctr"/>
+          <a:lstStyle/>
+          <a:p>
+            <a:pPr algn="ctr"/>
+            <a:endParaRPr lang="en-US" sz="1200"/>
+          </a:p>
+        </p:txBody>
+      </p:sp>
+      <p:sp>
+        <p:nvSpPr>
+          <p:cNvPr id="28" name="TextBox 27">
+            <a:extLst>
+              <a:ext uri="{FF2B5EF4-FFF2-40B4-BE49-F238E27FC236}">
+                <a16:creationId xmlns:a16="http://schemas.microsoft.com/office/drawing/2014/main" id="{EEAEEA8B-DEA4-4E26-FE85-A915754213AB}"/>
+              </a:ext>
+            </a:extLst>
+          </p:cNvPr>
+          <p:cNvSpPr txBox="1"/>
+          <p:nvPr/>
+        </p:nvSpPr>
+        <p:spPr>
+          <a:xfrm>
+            <a:off x="6600049" y="3390341"/>
+            <a:ext cx="997709" cy="276999"/>
+          </a:xfrm>
+          <a:prstGeom prst="rect">
+            <a:avLst/>
+          </a:prstGeom>
+          <a:noFill/>
+        </p:spPr>
+        <p:txBody>
+          <a:bodyPr wrap="none" rtlCol="0">
+            <a:spAutoFit/>
+          </a:bodyPr>
+          <a:lstStyle/>
+          <a:p>
+            <a:r>
+              <a:rPr lang="en-US" sz="1200" dirty="0"/>
+              <a:t>Remote Host</a:t>
+            </a:r>
+          </a:p>
+        </p:txBody>
+      </p:sp>
+      <p:sp>
+        <p:nvSpPr>
+          <p:cNvPr id="29" name="Rounded Rectangle 28">
+            <a:extLst>
+              <a:ext uri="{FF2B5EF4-FFF2-40B4-BE49-F238E27FC236}">
+                <a16:creationId xmlns:a16="http://schemas.microsoft.com/office/drawing/2014/main" id="{E00CEEC0-6B39-2690-D5FA-BC4675D60252}"/>
+              </a:ext>
+            </a:extLst>
+          </p:cNvPr>
+          <p:cNvSpPr/>
+          <p:nvPr/>
+        </p:nvSpPr>
+        <p:spPr>
+          <a:xfrm rot="16200000">
+            <a:off x="4955765" y="4880940"/>
+            <a:ext cx="1920805" cy="387435"/>
+          </a:xfrm>
+          <a:prstGeom prst="roundRect">
+            <a:avLst/>
+          </a:prstGeom>
+          <a:solidFill>
+            <a:schemeClr val="accent5">
+              <a:lumMod val="20000"/>
+              <a:lumOff val="80000"/>
+            </a:schemeClr>
+          </a:solidFill>
+          <a:ln w="12700">
+            <a:solidFill>
+              <a:schemeClr val="tx1"/>
+            </a:solidFill>
+          </a:ln>
+          <a:effectLst>
+            <a:outerShdw blurRad="50800" dist="38100" dir="2700000" algn="tl" rotWithShape="0">
+              <a:prstClr val="black">
+                <a:alpha val="40000"/>
+              </a:prstClr>
+            </a:outerShdw>
+          </a:effectLst>
+        </p:spPr>
+        <p:style>
+          <a:lnRef idx="1">
+            <a:schemeClr val="accent4"/>
+          </a:lnRef>
+          <a:fillRef idx="2">
+            <a:schemeClr val="accent4"/>
+          </a:fillRef>
+          <a:effectRef idx="1">
+            <a:schemeClr val="accent4"/>
+          </a:effectRef>
+          <a:fontRef idx="minor">
+            <a:schemeClr val="dk1"/>
+          </a:fontRef>
+        </p:style>
+        <p:txBody>
+          <a:bodyPr rtlCol="0" anchor="ctr"/>
+          <a:lstStyle/>
+          <a:p>
+            <a:pPr algn="ctr"/>
+            <a:r>
+              <a:rPr lang="en-US" sz="1200" dirty="0"/>
+              <a:t>Localhost (WSL, Windows)</a:t>
+            </a:r>
+          </a:p>
+        </p:txBody>
+      </p:sp>
+      <p:sp>
+        <p:nvSpPr>
+          <p:cNvPr id="32" name="Rounded Rectangle 31">
+            <a:extLst>
+              <a:ext uri="{FF2B5EF4-FFF2-40B4-BE49-F238E27FC236}">
+                <a16:creationId xmlns:a16="http://schemas.microsoft.com/office/drawing/2014/main" id="{6FC16B69-4852-0E0C-69F5-0CC9E3C2FCDE}"/>
+              </a:ext>
+            </a:extLst>
+          </p:cNvPr>
+          <p:cNvSpPr/>
+          <p:nvPr/>
+        </p:nvSpPr>
+        <p:spPr>
+          <a:xfrm rot="16200000">
+            <a:off x="7516878" y="4291615"/>
+            <a:ext cx="1423007" cy="387437"/>
+          </a:xfrm>
+          <a:prstGeom prst="roundRect">
+            <a:avLst/>
+          </a:prstGeom>
+          <a:solidFill>
+            <a:schemeClr val="accent2">
+              <a:lumMod val="20000"/>
+              <a:lumOff val="80000"/>
+            </a:schemeClr>
+          </a:solidFill>
+          <a:ln w="12700">
+            <a:solidFill>
+              <a:schemeClr val="tx1"/>
+            </a:solidFill>
+          </a:ln>
+          <a:effectLst>
+            <a:outerShdw blurRad="50800" dist="38100" dir="2700000" algn="tl" rotWithShape="0">
+              <a:prstClr val="black">
+                <a:alpha val="40000"/>
+              </a:prstClr>
+            </a:outerShdw>
+          </a:effectLst>
+        </p:spPr>
+        <p:style>
+          <a:lnRef idx="1">
+            <a:schemeClr val="accent4"/>
+          </a:lnRef>
+          <a:fillRef idx="2">
+            <a:schemeClr val="accent4"/>
+          </a:fillRef>
+          <a:effectRef idx="1">
+            <a:schemeClr val="accent4"/>
+          </a:effectRef>
+          <a:fontRef idx="minor">
+            <a:schemeClr val="dk1"/>
+          </a:fontRef>
+        </p:style>
+        <p:txBody>
+          <a:bodyPr rtlCol="0" anchor="ctr"/>
+          <a:lstStyle/>
+          <a:p>
+            <a:pPr algn="ctr"/>
+            <a:r>
+              <a:rPr lang="en-US" sz="1200" dirty="0"/>
+              <a:t>Workflow </a:t>
+            </a:r>
+            <a:r>
+              <a:rPr lang="en-US" sz="1200" dirty="0" err="1"/>
+              <a:t>Graoh</a:t>
+            </a:r>
+            <a:endParaRPr lang="en-US" sz="1200" dirty="0"/>
+          </a:p>
+        </p:txBody>
+      </p:sp>
+      <p:sp>
+        <p:nvSpPr>
+          <p:cNvPr id="33" name="Rounded Rectangle 32">
+            <a:extLst>
+              <a:ext uri="{FF2B5EF4-FFF2-40B4-BE49-F238E27FC236}">
+                <a16:creationId xmlns:a16="http://schemas.microsoft.com/office/drawing/2014/main" id="{718C4BB6-1A6F-E1E8-B777-3305B6E6762B}"/>
+              </a:ext>
+            </a:extLst>
+          </p:cNvPr>
+          <p:cNvSpPr/>
+          <p:nvPr/>
+        </p:nvSpPr>
+        <p:spPr>
+          <a:xfrm rot="16200000">
+            <a:off x="7963940" y="4298986"/>
+            <a:ext cx="1423007" cy="387437"/>
+          </a:xfrm>
+          <a:prstGeom prst="roundRect">
+            <a:avLst/>
+          </a:prstGeom>
+          <a:solidFill>
+            <a:schemeClr val="accent2">
+              <a:lumMod val="20000"/>
+              <a:lumOff val="80000"/>
+            </a:schemeClr>
+          </a:solidFill>
+          <a:ln w="12700">
+            <a:solidFill>
+              <a:schemeClr val="tx1"/>
+            </a:solidFill>
+          </a:ln>
+          <a:effectLst>
+            <a:outerShdw blurRad="50800" dist="38100" dir="2700000" algn="tl" rotWithShape="0">
+              <a:prstClr val="black">
+                <a:alpha val="40000"/>
+              </a:prstClr>
+            </a:outerShdw>
+          </a:effectLst>
+        </p:spPr>
+        <p:style>
+          <a:lnRef idx="1">
+            <a:schemeClr val="accent4"/>
+          </a:lnRef>
+          <a:fillRef idx="2">
+            <a:schemeClr val="accent4"/>
+          </a:fillRef>
+          <a:effectRef idx="1">
+            <a:schemeClr val="accent4"/>
+          </a:effectRef>
+          <a:fontRef idx="minor">
+            <a:schemeClr val="dk1"/>
+          </a:fontRef>
+        </p:style>
+        <p:txBody>
+          <a:bodyPr rtlCol="0" anchor="ctr"/>
+          <a:lstStyle/>
+          <a:p>
+            <a:pPr algn="ctr"/>
+            <a:r>
+              <a:rPr lang="en-US" sz="1200" dirty="0"/>
+              <a:t>Workflow Table</a:t>
+            </a:r>
+          </a:p>
+        </p:txBody>
+      </p:sp>
+      <p:sp>
+        <p:nvSpPr>
+          <p:cNvPr id="34" name="Right Brace 33">
+            <a:extLst>
+              <a:ext uri="{FF2B5EF4-FFF2-40B4-BE49-F238E27FC236}">
+                <a16:creationId xmlns:a16="http://schemas.microsoft.com/office/drawing/2014/main" id="{DB9D825A-4049-C800-9A74-C85A6A9178A2}"/>
+              </a:ext>
+            </a:extLst>
+          </p:cNvPr>
+          <p:cNvSpPr/>
+          <p:nvPr/>
+        </p:nvSpPr>
+        <p:spPr>
+          <a:xfrm rot="16200000">
+            <a:off x="8488543" y="2643642"/>
+            <a:ext cx="329393" cy="1237153"/>
+          </a:xfrm>
+          <a:prstGeom prst="rightBrace">
+            <a:avLst>
+              <a:gd name="adj1" fmla="val 8333"/>
+              <a:gd name="adj2" fmla="val 8312"/>
+            </a:avLst>
+          </a:prstGeom>
+          <a:ln w="25400">
+            <a:solidFill>
+              <a:schemeClr val="tx1"/>
+            </a:solidFill>
+          </a:ln>
+        </p:spPr>
+        <p:style>
+          <a:lnRef idx="1">
+            <a:schemeClr val="accent1"/>
+          </a:lnRef>
+          <a:fillRef idx="0">
+            <a:schemeClr val="accent1"/>
+          </a:fillRef>
+          <a:effectRef idx="0">
+            <a:schemeClr val="accent1"/>
+          </a:effectRef>
+          <a:fontRef idx="minor">
+            <a:schemeClr val="tx1"/>
+          </a:fontRef>
+        </p:style>
+        <p:txBody>
+          <a:bodyPr rtlCol="0" anchor="ctr"/>
+          <a:lstStyle/>
+          <a:p>
+            <a:pPr algn="ctr"/>
+            <a:endParaRPr lang="en-US" sz="1200"/>
+          </a:p>
+        </p:txBody>
+      </p:sp>
+      <p:sp>
+        <p:nvSpPr>
+          <p:cNvPr id="35" name="Right Brace 34">
+            <a:extLst>
+              <a:ext uri="{FF2B5EF4-FFF2-40B4-BE49-F238E27FC236}">
+                <a16:creationId xmlns:a16="http://schemas.microsoft.com/office/drawing/2014/main" id="{0B3F2EC1-CFCC-88F9-4A56-2E30E1B67C1C}"/>
+              </a:ext>
+            </a:extLst>
+          </p:cNvPr>
+          <p:cNvSpPr/>
+          <p:nvPr/>
+        </p:nvSpPr>
+        <p:spPr>
+          <a:xfrm rot="16200000">
+            <a:off x="3320158" y="2648412"/>
+            <a:ext cx="276147" cy="1461243"/>
+          </a:xfrm>
+          <a:prstGeom prst="rightBrace">
+            <a:avLst>
+              <a:gd name="adj1" fmla="val 8333"/>
+              <a:gd name="adj2" fmla="val 79495"/>
+            </a:avLst>
+          </a:prstGeom>
+          <a:ln w="25400">
+            <a:solidFill>
+              <a:schemeClr val="tx1"/>
+            </a:solidFill>
+          </a:ln>
+        </p:spPr>
+        <p:style>
+          <a:lnRef idx="1">
+            <a:schemeClr val="accent1"/>
+          </a:lnRef>
+          <a:fillRef idx="0">
+            <a:schemeClr val="accent1"/>
+          </a:fillRef>
+          <a:effectRef idx="0">
+            <a:schemeClr val="accent1"/>
+          </a:effectRef>
+          <a:fontRef idx="minor">
+            <a:schemeClr val="tx1"/>
+          </a:fontRef>
+        </p:style>
+        <p:txBody>
+          <a:bodyPr rtlCol="0" anchor="ctr"/>
+          <a:lstStyle/>
+          <a:p>
+            <a:pPr algn="ctr"/>
+            <a:endParaRPr lang="en-US" sz="1200"/>
+          </a:p>
+        </p:txBody>
+      </p:sp>
+      <p:sp>
+        <p:nvSpPr>
+          <p:cNvPr id="36" name="Can 35">
+            <a:extLst>
+              <a:ext uri="{FF2B5EF4-FFF2-40B4-BE49-F238E27FC236}">
+                <a16:creationId xmlns:a16="http://schemas.microsoft.com/office/drawing/2014/main" id="{8C5725E1-C544-2271-A198-8EF8E8A09EB9}"/>
+              </a:ext>
+            </a:extLst>
+          </p:cNvPr>
+          <p:cNvSpPr/>
+          <p:nvPr/>
+        </p:nvSpPr>
+        <p:spPr>
+          <a:xfrm>
+            <a:off x="2458103" y="3832789"/>
+            <a:ext cx="750638" cy="801607"/>
+          </a:xfrm>
+          <a:prstGeom prst="can">
+            <a:avLst/>
+          </a:prstGeom>
+          <a:solidFill>
+            <a:schemeClr val="bg2">
+              <a:lumMod val="90000"/>
+            </a:schemeClr>
+          </a:solidFill>
+          <a:effectLst>
+            <a:outerShdw blurRad="50800" dist="38100" dir="2700000" algn="tl" rotWithShape="0">
+              <a:prstClr val="black">
+                <a:alpha val="40000"/>
+              </a:prstClr>
+            </a:outerShdw>
+          </a:effectLst>
+        </p:spPr>
+        <p:style>
+          <a:lnRef idx="1">
+            <a:schemeClr val="accent2"/>
+          </a:lnRef>
+          <a:fillRef idx="2">
+            <a:schemeClr val="accent2"/>
+          </a:fillRef>
+          <a:effectRef idx="1">
+            <a:schemeClr val="accent2"/>
+          </a:effectRef>
+          <a:fontRef idx="minor">
+            <a:schemeClr val="dk1"/>
+          </a:fontRef>
+        </p:style>
+        <p:txBody>
+          <a:bodyPr rtlCol="0" anchor="ctr"/>
+          <a:lstStyle/>
+          <a:p>
+            <a:pPr algn="ctr"/>
+            <a:r>
+              <a:rPr lang="en-US" sz="1200" dirty="0"/>
+              <a:t>Mongo</a:t>
+            </a:r>
+          </a:p>
+          <a:p>
+            <a:pPr algn="ctr"/>
+            <a:r>
+              <a:rPr lang="en-US" sz="1200" dirty="0"/>
+              <a:t>DB</a:t>
+            </a:r>
+          </a:p>
+        </p:txBody>
+      </p:sp>
+      <p:sp>
+        <p:nvSpPr>
+          <p:cNvPr id="37" name="TextBox 36">
+            <a:extLst>
+              <a:ext uri="{FF2B5EF4-FFF2-40B4-BE49-F238E27FC236}">
+                <a16:creationId xmlns:a16="http://schemas.microsoft.com/office/drawing/2014/main" id="{F845D3F1-3292-2E27-C86C-9EC143927E51}"/>
+              </a:ext>
+            </a:extLst>
+          </p:cNvPr>
+          <p:cNvSpPr txBox="1"/>
+          <p:nvPr/>
+        </p:nvSpPr>
+        <p:spPr>
+          <a:xfrm>
+            <a:off x="2428407" y="3539366"/>
+            <a:ext cx="2094163" cy="276999"/>
+          </a:xfrm>
+          <a:prstGeom prst="rect">
+            <a:avLst/>
+          </a:prstGeom>
+          <a:noFill/>
+        </p:spPr>
+        <p:txBody>
+          <a:bodyPr wrap="none" rtlCol="0">
+            <a:spAutoFit/>
+          </a:bodyPr>
+          <a:lstStyle/>
+          <a:p>
+            <a:r>
+              <a:rPr lang="en-US" sz="1200" dirty="0"/>
+              <a:t>Possible Database Alternatives</a:t>
+            </a:r>
+          </a:p>
+        </p:txBody>
+      </p:sp>
+      <p:sp>
+        <p:nvSpPr>
+          <p:cNvPr id="39" name="TextBox 38">
+            <a:extLst>
+              <a:ext uri="{FF2B5EF4-FFF2-40B4-BE49-F238E27FC236}">
+                <a16:creationId xmlns:a16="http://schemas.microsoft.com/office/drawing/2014/main" id="{4C7A17B1-B6CD-FA81-DA70-2BC79D918E36}"/>
+              </a:ext>
+            </a:extLst>
+          </p:cNvPr>
+          <p:cNvSpPr txBox="1"/>
+          <p:nvPr/>
+        </p:nvSpPr>
+        <p:spPr>
+          <a:xfrm>
+            <a:off x="8157897" y="3414091"/>
+            <a:ext cx="1422529" cy="276999"/>
+          </a:xfrm>
+          <a:prstGeom prst="rect">
+            <a:avLst/>
+          </a:prstGeom>
+          <a:noFill/>
+        </p:spPr>
+        <p:txBody>
+          <a:bodyPr wrap="square" rtlCol="0">
+            <a:spAutoFit/>
+          </a:bodyPr>
+          <a:lstStyle/>
+          <a:p>
+            <a:r>
+              <a:rPr lang="en-US" sz="1200" dirty="0"/>
+              <a:t>Visualization</a:t>
+            </a:r>
+            <a:endParaRPr lang="en-US" dirty="0"/>
+          </a:p>
+        </p:txBody>
+      </p:sp>
+      <p:sp>
+        <p:nvSpPr>
+          <p:cNvPr id="40" name="Rounded Rectangle 39">
+            <a:extLst>
+              <a:ext uri="{FF2B5EF4-FFF2-40B4-BE49-F238E27FC236}">
+                <a16:creationId xmlns:a16="http://schemas.microsoft.com/office/drawing/2014/main" id="{D0DEEC2D-1F56-B79C-80E1-C6C0300619A7}"/>
+              </a:ext>
+            </a:extLst>
+          </p:cNvPr>
+          <p:cNvSpPr/>
+          <p:nvPr/>
+        </p:nvSpPr>
+        <p:spPr>
+          <a:xfrm rot="16200000">
+            <a:off x="8451673" y="4301856"/>
+            <a:ext cx="1423007" cy="387437"/>
+          </a:xfrm>
+          <a:prstGeom prst="roundRect">
+            <a:avLst/>
+          </a:prstGeom>
+          <a:solidFill>
+            <a:schemeClr val="accent2">
+              <a:lumMod val="20000"/>
+              <a:lumOff val="80000"/>
+            </a:schemeClr>
+          </a:solidFill>
+          <a:ln w="12700">
+            <a:solidFill>
+              <a:schemeClr val="tx1"/>
+            </a:solidFill>
+          </a:ln>
+          <a:effectLst>
+            <a:outerShdw blurRad="50800" dist="38100" dir="2700000" algn="tl" rotWithShape="0">
+              <a:prstClr val="black">
+                <a:alpha val="40000"/>
+              </a:prstClr>
+            </a:outerShdw>
+          </a:effectLst>
+        </p:spPr>
+        <p:style>
+          <a:lnRef idx="1">
+            <a:schemeClr val="accent4"/>
+          </a:lnRef>
+          <a:fillRef idx="2">
+            <a:schemeClr val="accent4"/>
+          </a:fillRef>
+          <a:effectRef idx="1">
+            <a:schemeClr val="accent4"/>
+          </a:effectRef>
+          <a:fontRef idx="minor">
+            <a:schemeClr val="dk1"/>
+          </a:fontRef>
+        </p:style>
+        <p:txBody>
+          <a:bodyPr rtlCol="0" anchor="ctr"/>
+          <a:lstStyle/>
+          <a:p>
+            <a:pPr algn="ctr"/>
+            <a:r>
+              <a:rPr lang="en-US" sz="2400" dirty="0"/>
+              <a:t>…</a:t>
+            </a:r>
+          </a:p>
+        </p:txBody>
+      </p:sp>
+      <p:sp>
+        <p:nvSpPr>
+          <p:cNvPr id="14" name="Rounded Rectangle 13">
+            <a:extLst>
+              <a:ext uri="{FF2B5EF4-FFF2-40B4-BE49-F238E27FC236}">
+                <a16:creationId xmlns:a16="http://schemas.microsoft.com/office/drawing/2014/main" id="{77A6B58A-C317-2D73-FEC5-87F9994839D9}"/>
+              </a:ext>
+            </a:extLst>
+          </p:cNvPr>
+          <p:cNvSpPr/>
+          <p:nvPr/>
+        </p:nvSpPr>
+        <p:spPr>
+          <a:xfrm>
+            <a:off x="3502702" y="1632597"/>
+            <a:ext cx="4733025" cy="619001"/>
+          </a:xfrm>
+          <a:prstGeom prst="roundRect">
+            <a:avLst/>
+          </a:prstGeom>
+          <a:solidFill>
+            <a:schemeClr val="accent4">
+              <a:lumMod val="20000"/>
+              <a:lumOff val="80000"/>
+            </a:schemeClr>
+          </a:solidFill>
+          <a:ln w="12700">
+            <a:solidFill>
+              <a:schemeClr val="tx1"/>
+            </a:solidFill>
+          </a:ln>
+          <a:effectLst>
+            <a:outerShdw blurRad="50800" dist="38100" dir="2700000" algn="tl" rotWithShape="0">
+              <a:prstClr val="black">
+                <a:alpha val="40000"/>
+              </a:prstClr>
+            </a:outerShdw>
+          </a:effectLst>
+        </p:spPr>
+        <p:style>
+          <a:lnRef idx="1">
+            <a:schemeClr val="accent4"/>
+          </a:lnRef>
+          <a:fillRef idx="2">
+            <a:schemeClr val="accent4"/>
+          </a:fillRef>
+          <a:effectRef idx="1">
+            <a:schemeClr val="accent4"/>
+          </a:effectRef>
+          <a:fontRef idx="minor">
+            <a:schemeClr val="dk1"/>
+          </a:fontRef>
+        </p:style>
+        <p:txBody>
+          <a:bodyPr rtlCol="0" anchor="ctr"/>
+          <a:lstStyle/>
+          <a:p>
+            <a:pPr algn="ctr"/>
+            <a:r>
+              <a:rPr lang="en-US" sz="1600" dirty="0"/>
+              <a:t>REST Service</a:t>
+            </a:r>
+          </a:p>
+        </p:txBody>
+      </p:sp>
+      <p:sp>
+        <p:nvSpPr>
+          <p:cNvPr id="13" name="Rounded Rectangle 12">
+            <a:extLst>
+              <a:ext uri="{FF2B5EF4-FFF2-40B4-BE49-F238E27FC236}">
+                <a16:creationId xmlns:a16="http://schemas.microsoft.com/office/drawing/2014/main" id="{F7F3DCD7-4B0B-9766-572E-4CC36207D958}"/>
+              </a:ext>
+            </a:extLst>
+          </p:cNvPr>
+          <p:cNvSpPr/>
+          <p:nvPr/>
+        </p:nvSpPr>
+        <p:spPr>
+          <a:xfrm>
+            <a:off x="3502702" y="879699"/>
+            <a:ext cx="2408994" cy="619001"/>
+          </a:xfrm>
+          <a:prstGeom prst="roundRect">
+            <a:avLst/>
+          </a:prstGeom>
+          <a:solidFill>
+            <a:schemeClr val="accent6">
+              <a:lumMod val="20000"/>
+              <a:lumOff val="80000"/>
+            </a:schemeClr>
+          </a:solidFill>
+          <a:ln w="12700">
+            <a:solidFill>
+              <a:schemeClr val="tx1"/>
+            </a:solidFill>
+          </a:ln>
+          <a:effectLst>
+            <a:outerShdw blurRad="50800" dist="38100" dir="2700000" algn="tl" rotWithShape="0">
+              <a:prstClr val="black">
+                <a:alpha val="40000"/>
+              </a:prstClr>
+            </a:outerShdw>
+          </a:effectLst>
+        </p:spPr>
+        <p:style>
+          <a:lnRef idx="1">
+            <a:schemeClr val="accent4"/>
+          </a:lnRef>
+          <a:fillRef idx="2">
+            <a:schemeClr val="accent4"/>
+          </a:fillRef>
+          <a:effectRef idx="1">
+            <a:schemeClr val="accent4"/>
+          </a:effectRef>
+          <a:fontRef idx="minor">
+            <a:schemeClr val="dk1"/>
+          </a:fontRef>
+        </p:style>
+        <p:txBody>
+          <a:bodyPr rtlCol="0" anchor="ctr"/>
+          <a:lstStyle/>
+          <a:p>
+            <a:pPr algn="ctr"/>
+            <a:r>
+              <a:rPr lang="en-US" sz="1600" dirty="0"/>
+              <a:t>Workflow</a:t>
+            </a:r>
+          </a:p>
+        </p:txBody>
+      </p:sp>
+    </p:spTree>
+    <p:extLst>
+      <p:ext uri="{BB962C8B-B14F-4D97-AF65-F5344CB8AC3E}">
+        <p14:creationId xmlns:p14="http://schemas.microsoft.com/office/powerpoint/2010/main" val="2021906555"/>
+      </p:ext>
+    </p:extLst>
+  </p:cSld>
+  <p:clrMapOvr>
+    <a:masterClrMapping/>
+  </p:clrMapOvr>
+</p:sld>
+</file>
+
+<file path=ppt/slides/slide3.xml><?xml version="1.0" encoding="utf-8"?>
 <p:sld xmlns:a="http://schemas.openxmlformats.org/drawingml/2006/main" xmlns:r="http://schemas.openxmlformats.org/officeDocument/2006/relationships" xmlns:p="http://schemas.openxmlformats.org/presentationml/2006/main">
   <p:cSld>
     <p:spTree>

--- a/images/cloudmesh-cc-arch.pptx
+++ b/images/cloudmesh-cc-arch.pptx
@@ -199,7 +199,7 @@
           <a:p>
             <a:fld id="{7B8C5C2F-9C70-1146-AC1C-839850BBCAD5}" type="datetimeFigureOut">
               <a:rPr lang="en-US" smtClean="0"/>
-              <a:t>10/20/22</a:t>
+              <a:t>10/22/22</a:t>
             </a:fld>
             <a:endParaRPr lang="en-US"/>
           </a:p>
@@ -781,7 +781,7 @@
           <a:p>
             <a:fld id="{1E221C03-E016-DD41-A5A4-762F0E9F850B}" type="datetimeFigureOut">
               <a:rPr lang="en-US" smtClean="0"/>
-              <a:t>10/20/22</a:t>
+              <a:t>10/22/22</a:t>
             </a:fld>
             <a:endParaRPr lang="en-US"/>
           </a:p>
@@ -979,7 +979,7 @@
           <a:p>
             <a:fld id="{1E221C03-E016-DD41-A5A4-762F0E9F850B}" type="datetimeFigureOut">
               <a:rPr lang="en-US" smtClean="0"/>
-              <a:t>10/20/22</a:t>
+              <a:t>10/22/22</a:t>
             </a:fld>
             <a:endParaRPr lang="en-US"/>
           </a:p>
@@ -1187,7 +1187,7 @@
           <a:p>
             <a:fld id="{1E221C03-E016-DD41-A5A4-762F0E9F850B}" type="datetimeFigureOut">
               <a:rPr lang="en-US" smtClean="0"/>
-              <a:t>10/20/22</a:t>
+              <a:t>10/22/22</a:t>
             </a:fld>
             <a:endParaRPr lang="en-US"/>
           </a:p>
@@ -1385,7 +1385,7 @@
           <a:p>
             <a:fld id="{1E221C03-E016-DD41-A5A4-762F0E9F850B}" type="datetimeFigureOut">
               <a:rPr lang="en-US" smtClean="0"/>
-              <a:t>10/20/22</a:t>
+              <a:t>10/22/22</a:t>
             </a:fld>
             <a:endParaRPr lang="en-US"/>
           </a:p>
@@ -1660,7 +1660,7 @@
           <a:p>
             <a:fld id="{1E221C03-E016-DD41-A5A4-762F0E9F850B}" type="datetimeFigureOut">
               <a:rPr lang="en-US" smtClean="0"/>
-              <a:t>10/20/22</a:t>
+              <a:t>10/22/22</a:t>
             </a:fld>
             <a:endParaRPr lang="en-US"/>
           </a:p>
@@ -1925,7 +1925,7 @@
           <a:p>
             <a:fld id="{1E221C03-E016-DD41-A5A4-762F0E9F850B}" type="datetimeFigureOut">
               <a:rPr lang="en-US" smtClean="0"/>
-              <a:t>10/20/22</a:t>
+              <a:t>10/22/22</a:t>
             </a:fld>
             <a:endParaRPr lang="en-US"/>
           </a:p>
@@ -2337,7 +2337,7 @@
           <a:p>
             <a:fld id="{1E221C03-E016-DD41-A5A4-762F0E9F850B}" type="datetimeFigureOut">
               <a:rPr lang="en-US" smtClean="0"/>
-              <a:t>10/20/22</a:t>
+              <a:t>10/22/22</a:t>
             </a:fld>
             <a:endParaRPr lang="en-US"/>
           </a:p>
@@ -2478,7 +2478,7 @@
           <a:p>
             <a:fld id="{1E221C03-E016-DD41-A5A4-762F0E9F850B}" type="datetimeFigureOut">
               <a:rPr lang="en-US" smtClean="0"/>
-              <a:t>10/20/22</a:t>
+              <a:t>10/22/22</a:t>
             </a:fld>
             <a:endParaRPr lang="en-US"/>
           </a:p>
@@ -2591,7 +2591,7 @@
           <a:p>
             <a:fld id="{1E221C03-E016-DD41-A5A4-762F0E9F850B}" type="datetimeFigureOut">
               <a:rPr lang="en-US" smtClean="0"/>
-              <a:t>10/20/22</a:t>
+              <a:t>10/22/22</a:t>
             </a:fld>
             <a:endParaRPr lang="en-US"/>
           </a:p>
@@ -2902,7 +2902,7 @@
           <a:p>
             <a:fld id="{1E221C03-E016-DD41-A5A4-762F0E9F850B}" type="datetimeFigureOut">
               <a:rPr lang="en-US" smtClean="0"/>
-              <a:t>10/20/22</a:t>
+              <a:t>10/22/22</a:t>
             </a:fld>
             <a:endParaRPr lang="en-US"/>
           </a:p>
@@ -3190,7 +3190,7 @@
           <a:p>
             <a:fld id="{1E221C03-E016-DD41-A5A4-762F0E9F850B}" type="datetimeFigureOut">
               <a:rPr lang="en-US" smtClean="0"/>
-              <a:t>10/20/22</a:t>
+              <a:t>10/22/22</a:t>
             </a:fld>
             <a:endParaRPr lang="en-US"/>
           </a:p>
@@ -3431,7 +3431,7 @@
           <a:p>
             <a:fld id="{1E221C03-E016-DD41-A5A4-762F0E9F850B}" type="datetimeFigureOut">
               <a:rPr lang="en-US" smtClean="0"/>
-              <a:t>10/20/22</a:t>
+              <a:t>10/22/22</a:t>
             </a:fld>
             <a:endParaRPr lang="en-US"/>
           </a:p>
@@ -3850,10 +3850,10 @@
       </p:grpSpPr>
       <p:sp>
         <p:nvSpPr>
-          <p:cNvPr id="30" name="Rounded Rectangle 29">
-            <a:extLst>
-              <a:ext uri="{FF2B5EF4-FFF2-40B4-BE49-F238E27FC236}">
-                <a16:creationId xmlns:a16="http://schemas.microsoft.com/office/drawing/2014/main" id="{46B20BC1-CB79-3EAD-3CC3-C1D02C100A0C}"/>
+          <p:cNvPr id="56" name="Rounded Rectangle 55">
+            <a:extLst>
+              <a:ext uri="{FF2B5EF4-FFF2-40B4-BE49-F238E27FC236}">
+                <a16:creationId xmlns:a16="http://schemas.microsoft.com/office/drawing/2014/main" id="{EC1BF499-5CDD-CFF4-920C-19A299815312}"/>
               </a:ext>
             </a:extLst>
           </p:cNvPr>
@@ -3862,8 +3862,114 @@
         </p:nvSpPr>
         <p:spPr>
           <a:xfrm>
-            <a:off x="4197060" y="887986"/>
-            <a:ext cx="2173087" cy="619001"/>
+            <a:off x="5345792" y="879129"/>
+            <a:ext cx="3425690" cy="1923994"/>
+          </a:xfrm>
+          <a:prstGeom prst="roundRect">
+            <a:avLst/>
+          </a:prstGeom>
+          <a:solidFill>
+            <a:schemeClr val="accent6">
+              <a:lumMod val="20000"/>
+              <a:lumOff val="80000"/>
+              <a:alpha val="30000"/>
+            </a:schemeClr>
+          </a:solidFill>
+        </p:spPr>
+        <p:style>
+          <a:lnRef idx="2">
+            <a:schemeClr val="accent1">
+              <a:shade val="50000"/>
+            </a:schemeClr>
+          </a:lnRef>
+          <a:fillRef idx="1">
+            <a:schemeClr val="accent1"/>
+          </a:fillRef>
+          <a:effectRef idx="0">
+            <a:schemeClr val="accent1"/>
+          </a:effectRef>
+          <a:fontRef idx="minor">
+            <a:schemeClr val="lt1"/>
+          </a:fontRef>
+        </p:style>
+        <p:txBody>
+          <a:bodyPr rtlCol="0" anchor="ctr"/>
+          <a:lstStyle/>
+          <a:p>
+            <a:pPr algn="ctr"/>
+            <a:endParaRPr lang="en-US"/>
+          </a:p>
+        </p:txBody>
+      </p:sp>
+      <p:sp>
+        <p:nvSpPr>
+          <p:cNvPr id="55" name="Rounded Rectangle 54">
+            <a:extLst>
+              <a:ext uri="{FF2B5EF4-FFF2-40B4-BE49-F238E27FC236}">
+                <a16:creationId xmlns:a16="http://schemas.microsoft.com/office/drawing/2014/main" id="{CDAFBF28-C2E0-7F85-E94C-A897D6AE4343}"/>
+              </a:ext>
+            </a:extLst>
+          </p:cNvPr>
+          <p:cNvSpPr/>
+          <p:nvPr/>
+        </p:nvSpPr>
+        <p:spPr>
+          <a:xfrm>
+            <a:off x="2155562" y="869795"/>
+            <a:ext cx="3069986" cy="1923994"/>
+          </a:xfrm>
+          <a:prstGeom prst="roundRect">
+            <a:avLst/>
+          </a:prstGeom>
+          <a:solidFill>
+            <a:schemeClr val="accent6">
+              <a:lumMod val="20000"/>
+              <a:lumOff val="80000"/>
+              <a:alpha val="30281"/>
+            </a:schemeClr>
+          </a:solidFill>
+        </p:spPr>
+        <p:style>
+          <a:lnRef idx="2">
+            <a:schemeClr val="accent1">
+              <a:shade val="50000"/>
+            </a:schemeClr>
+          </a:lnRef>
+          <a:fillRef idx="1">
+            <a:schemeClr val="accent1"/>
+          </a:fillRef>
+          <a:effectRef idx="0">
+            <a:schemeClr val="accent1"/>
+          </a:effectRef>
+          <a:fontRef idx="minor">
+            <a:schemeClr val="lt1"/>
+          </a:fontRef>
+        </p:style>
+        <p:txBody>
+          <a:bodyPr rtlCol="0" anchor="ctr"/>
+          <a:lstStyle/>
+          <a:p>
+            <a:pPr algn="ctr"/>
+            <a:endParaRPr lang="en-US"/>
+          </a:p>
+        </p:txBody>
+      </p:sp>
+      <p:sp>
+        <p:nvSpPr>
+          <p:cNvPr id="47" name="Rounded Rectangle 46">
+            <a:extLst>
+              <a:ext uri="{FF2B5EF4-FFF2-40B4-BE49-F238E27FC236}">
+                <a16:creationId xmlns:a16="http://schemas.microsoft.com/office/drawing/2014/main" id="{784895FA-E17C-59D0-2517-98D48C79AEA5}"/>
+              </a:ext>
+            </a:extLst>
+          </p:cNvPr>
+          <p:cNvSpPr/>
+          <p:nvPr/>
+        </p:nvSpPr>
+        <p:spPr>
+          <a:xfrm>
+            <a:off x="3209960" y="2109419"/>
+            <a:ext cx="1136737" cy="113512"/>
           </a:xfrm>
           <a:prstGeom prst="roundRect">
             <a:avLst/>
@@ -3906,6 +4012,68 @@
           <a:lstStyle/>
           <a:p>
             <a:pPr algn="ctr"/>
+            <a:endParaRPr lang="en-US" sz="1600" dirty="0"/>
+          </a:p>
+        </p:txBody>
+      </p:sp>
+      <p:sp>
+        <p:nvSpPr>
+          <p:cNvPr id="30" name="Rounded Rectangle 29">
+            <a:extLst>
+              <a:ext uri="{FF2B5EF4-FFF2-40B4-BE49-F238E27FC236}">
+                <a16:creationId xmlns:a16="http://schemas.microsoft.com/office/drawing/2014/main" id="{46B20BC1-CB79-3EAD-3CC3-C1D02C100A0C}"/>
+              </a:ext>
+            </a:extLst>
+          </p:cNvPr>
+          <p:cNvSpPr/>
+          <p:nvPr/>
+        </p:nvSpPr>
+        <p:spPr>
+          <a:xfrm>
+            <a:off x="5830369" y="994045"/>
+            <a:ext cx="2396959" cy="520949"/>
+          </a:xfrm>
+          <a:prstGeom prst="roundRect">
+            <a:avLst/>
+          </a:prstGeom>
+          <a:solidFill>
+            <a:schemeClr val="accent6">
+              <a:lumMod val="20000"/>
+              <a:lumOff val="80000"/>
+            </a:schemeClr>
+          </a:solidFill>
+          <a:ln w="12700">
+            <a:solidFill>
+              <a:schemeClr val="tx1"/>
+            </a:solidFill>
+          </a:ln>
+          <a:effectLst>
+            <a:outerShdw blurRad="50800" dist="38100" dir="2700000" algn="tl" rotWithShape="0">
+              <a:prstClr val="black">
+                <a:alpha val="40000"/>
+              </a:prstClr>
+            </a:outerShdw>
+          </a:effectLst>
+        </p:spPr>
+        <p:style>
+          <a:lnRef idx="1">
+            <a:schemeClr val="accent4"/>
+          </a:lnRef>
+          <a:fillRef idx="2">
+            <a:schemeClr val="accent4"/>
+          </a:fillRef>
+          <a:effectRef idx="1">
+            <a:schemeClr val="accent4"/>
+          </a:effectRef>
+          <a:fontRef idx="minor">
+            <a:schemeClr val="dk1"/>
+          </a:fontRef>
+        </p:style>
+        <p:txBody>
+          <a:bodyPr rtlCol="0" anchor="ctr"/>
+          <a:lstStyle/>
+          <a:p>
+            <a:pPr algn="ctr"/>
             <a:r>
               <a:rPr lang="en-US" sz="1600" dirty="0"/>
               <a:t>Browser</a:t>
@@ -3927,8 +4095,8 @@
         </p:nvSpPr>
         <p:spPr>
           <a:xfrm>
-            <a:off x="3455659" y="4164267"/>
-            <a:ext cx="750638" cy="801607"/>
+            <a:off x="3375176" y="4721425"/>
+            <a:ext cx="722627" cy="674630"/>
           </a:xfrm>
           <a:prstGeom prst="can">
             <a:avLst/>
@@ -3977,49 +4145,6 @@
           </a:p>
         </p:txBody>
       </p:sp>
-      <p:pic>
-        <p:nvPicPr>
-          <p:cNvPr id="12" name="Graphic 11" descr="User with solid fill">
-            <a:extLst>
-              <a:ext uri="{FF2B5EF4-FFF2-40B4-BE49-F238E27FC236}">
-                <a16:creationId xmlns:a16="http://schemas.microsoft.com/office/drawing/2014/main" id="{F52A1A7F-2FE4-F3F7-BA54-1AE0C98ACF3E}"/>
-              </a:ext>
-            </a:extLst>
-          </p:cNvPr>
-          <p:cNvPicPr>
-            <a:picLocks noChangeAspect="1"/>
-          </p:cNvPicPr>
-          <p:nvPr/>
-        </p:nvPicPr>
-        <p:blipFill>
-          <a:blip r:embed="rId3">
-            <a:extLst>
-              <a:ext uri="{96DAC541-7B7A-43D3-8B79-37D633B846F1}">
-                <asvg:svgBlip xmlns:asvg="http://schemas.microsoft.com/office/drawing/2016/SVG/main" r:embed="rId4"/>
-              </a:ext>
-            </a:extLst>
-          </a:blip>
-          <a:stretch>
-            <a:fillRect/>
-          </a:stretch>
-        </p:blipFill>
-        <p:spPr>
-          <a:xfrm>
-            <a:off x="7259254" y="190106"/>
-            <a:ext cx="605300" cy="602712"/>
-          </a:xfrm>
-          <a:prstGeom prst="rect">
-            <a:avLst/>
-          </a:prstGeom>
-          <a:effectLst>
-            <a:outerShdw blurRad="50800" dist="38100" dir="2700000" algn="tl" rotWithShape="0">
-              <a:prstClr val="black">
-                <a:alpha val="40000"/>
-              </a:prstClr>
-            </a:outerShdw>
-          </a:effectLst>
-        </p:spPr>
-      </p:pic>
       <p:sp>
         <p:nvSpPr>
           <p:cNvPr id="15" name="Rounded Rectangle 14">
@@ -4034,8 +4159,8 @@
         </p:nvSpPr>
         <p:spPr>
           <a:xfrm>
-            <a:off x="3502702" y="2411599"/>
-            <a:ext cx="1461245" cy="619001"/>
+            <a:off x="3420463" y="3246386"/>
+            <a:ext cx="1406717" cy="520949"/>
           </a:xfrm>
           <a:prstGeom prst="roundRect">
             <a:avLst/>
@@ -4106,8 +4231,8 @@
         </p:nvSpPr>
         <p:spPr>
           <a:xfrm>
-            <a:off x="5154818" y="2408109"/>
-            <a:ext cx="1461245" cy="619001"/>
+            <a:off x="5010928" y="3243449"/>
+            <a:ext cx="1406717" cy="520949"/>
           </a:xfrm>
           <a:prstGeom prst="roundRect">
             <a:avLst/>
@@ -4178,8 +4303,8 @@
         </p:nvSpPr>
         <p:spPr>
           <a:xfrm>
-            <a:off x="6771773" y="2411599"/>
-            <a:ext cx="1461245" cy="619001"/>
+            <a:off x="6567544" y="3246386"/>
+            <a:ext cx="1406717" cy="520949"/>
           </a:xfrm>
           <a:prstGeom prst="roundRect">
             <a:avLst/>
@@ -4250,8 +4375,8 @@
         </p:nvSpPr>
         <p:spPr>
           <a:xfrm rot="16200000">
-            <a:off x="3702168" y="5215357"/>
-            <a:ext cx="1920805" cy="387435"/>
+            <a:off x="3728778" y="5582562"/>
+            <a:ext cx="1616543" cy="372977"/>
           </a:xfrm>
           <a:prstGeom prst="roundRect">
             <a:avLst/>
@@ -4315,8 +4440,8 @@
         </p:nvSpPr>
         <p:spPr>
           <a:xfrm rot="16200000">
-            <a:off x="5762943" y="2572867"/>
-            <a:ext cx="276146" cy="2021755"/>
+            <a:off x="5613079" y="3259704"/>
+            <a:ext cx="232403" cy="1946310"/>
           </a:xfrm>
           <a:prstGeom prst="rightBrace">
             <a:avLst/>
@@ -4364,8 +4489,8 @@
         </p:nvSpPr>
         <p:spPr>
           <a:xfrm rot="16200000">
-            <a:off x="4097704" y="5212419"/>
-            <a:ext cx="1920805" cy="387435"/>
+            <a:off x="4109554" y="5580089"/>
+            <a:ext cx="1616543" cy="372977"/>
           </a:xfrm>
           <a:prstGeom prst="roundRect">
             <a:avLst/>
@@ -4437,8 +4562,8 @@
         </p:nvSpPr>
         <p:spPr>
           <a:xfrm rot="16200000">
-            <a:off x="4504298" y="5212418"/>
-            <a:ext cx="1920805" cy="387435"/>
+            <a:off x="4500976" y="5580088"/>
+            <a:ext cx="1616543" cy="372977"/>
           </a:xfrm>
           <a:prstGeom prst="roundRect">
             <a:avLst/>
@@ -4502,8 +4627,8 @@
         </p:nvSpPr>
         <p:spPr>
           <a:xfrm rot="16200000">
-            <a:off x="5096268" y="3376136"/>
-            <a:ext cx="276146" cy="1638480"/>
+            <a:off x="4971282" y="3958937"/>
+            <a:ext cx="232403" cy="1577338"/>
           </a:xfrm>
           <a:prstGeom prst="rightBrace">
             <a:avLst>
@@ -4554,8 +4679,8 @@
         </p:nvSpPr>
         <p:spPr>
           <a:xfrm>
-            <a:off x="4619800" y="3767840"/>
-            <a:ext cx="776366" cy="276999"/>
+            <a:off x="4495875" y="4387793"/>
+            <a:ext cx="747395" cy="233121"/>
           </a:xfrm>
           <a:prstGeom prst="rect">
             <a:avLst/>
@@ -4589,8 +4714,8 @@
         </p:nvSpPr>
         <p:spPr>
           <a:xfrm rot="16200000">
-            <a:off x="5609551" y="5215357"/>
-            <a:ext cx="1920805" cy="387435"/>
+            <a:off x="5564984" y="5582562"/>
+            <a:ext cx="1616543" cy="372977"/>
           </a:xfrm>
           <a:prstGeom prst="roundRect">
             <a:avLst/>
@@ -4654,8 +4779,8 @@
         </p:nvSpPr>
         <p:spPr>
           <a:xfrm rot="16200000">
-            <a:off x="6005088" y="5212419"/>
-            <a:ext cx="1920805" cy="387435"/>
+            <a:off x="5945761" y="5580089"/>
+            <a:ext cx="1616543" cy="372977"/>
           </a:xfrm>
           <a:prstGeom prst="roundRect">
             <a:avLst/>
@@ -4719,8 +4844,8 @@
         </p:nvSpPr>
         <p:spPr>
           <a:xfrm rot="16200000">
-            <a:off x="6411681" y="5212418"/>
-            <a:ext cx="1920805" cy="387435"/>
+            <a:off x="6337182" y="5580088"/>
+            <a:ext cx="1616543" cy="372977"/>
           </a:xfrm>
           <a:prstGeom prst="roundRect">
             <a:avLst/>
@@ -4784,8 +4909,8 @@
         </p:nvSpPr>
         <p:spPr>
           <a:xfrm rot="16200000">
-            <a:off x="6806070" y="3573717"/>
-            <a:ext cx="276146" cy="1243318"/>
+            <a:off x="6617280" y="4149145"/>
+            <a:ext cx="232403" cy="1196922"/>
           </a:xfrm>
           <a:prstGeom prst="rightBrace">
             <a:avLst/>
@@ -4833,8 +4958,8 @@
         </p:nvSpPr>
         <p:spPr>
           <a:xfrm>
-            <a:off x="6564195" y="3721819"/>
-            <a:ext cx="997709" cy="276999"/>
+            <a:off x="6367712" y="4349062"/>
+            <a:ext cx="960478" cy="233121"/>
           </a:xfrm>
           <a:prstGeom prst="rect">
             <a:avLst/>
@@ -4868,8 +4993,8 @@
         </p:nvSpPr>
         <p:spPr>
           <a:xfrm rot="16200000">
-            <a:off x="4919911" y="5212418"/>
-            <a:ext cx="1920805" cy="387435"/>
+            <a:off x="4901079" y="5580088"/>
+            <a:ext cx="1616543" cy="372977"/>
           </a:xfrm>
           <a:prstGeom prst="roundRect">
             <a:avLst/>
@@ -4933,8 +5058,8 @@
         </p:nvSpPr>
         <p:spPr>
           <a:xfrm rot="16200000">
-            <a:off x="7481024" y="4623093"/>
-            <a:ext cx="1423007" cy="387437"/>
+            <a:off x="7336482" y="5084114"/>
+            <a:ext cx="1197598" cy="372979"/>
           </a:xfrm>
           <a:prstGeom prst="roundRect">
             <a:avLst/>
@@ -4998,8 +5123,8 @@
         </p:nvSpPr>
         <p:spPr>
           <a:xfrm rot="16200000">
-            <a:off x="7928086" y="4630464"/>
-            <a:ext cx="1423007" cy="387437"/>
+            <a:off x="7766862" y="5090318"/>
+            <a:ext cx="1197598" cy="372979"/>
           </a:xfrm>
           <a:prstGeom prst="roundRect">
             <a:avLst/>
@@ -5063,8 +5188,8 @@
         </p:nvSpPr>
         <p:spPr>
           <a:xfrm rot="16200000">
-            <a:off x="8452689" y="2975120"/>
-            <a:ext cx="329393" cy="1237153"/>
+            <a:off x="8205677" y="3645741"/>
+            <a:ext cx="277216" cy="1190987"/>
           </a:xfrm>
           <a:prstGeom prst="rightBrace">
             <a:avLst>
@@ -5115,8 +5240,8 @@
         </p:nvSpPr>
         <p:spPr>
           <a:xfrm rot="16200000">
-            <a:off x="2774397" y="2403621"/>
-            <a:ext cx="311053" cy="2446151"/>
+            <a:off x="2738168" y="3091573"/>
+            <a:ext cx="261781" cy="2354869"/>
           </a:xfrm>
           <a:prstGeom prst="rightBrace">
             <a:avLst>
@@ -5167,8 +5292,8 @@
         </p:nvSpPr>
         <p:spPr>
           <a:xfrm>
-            <a:off x="2575868" y="4147843"/>
-            <a:ext cx="750638" cy="801607"/>
+            <a:off x="2528215" y="4707603"/>
+            <a:ext cx="722627" cy="674630"/>
           </a:xfrm>
           <a:prstGeom prst="can">
             <a:avLst/>
@@ -5233,8 +5358,8 @@
         </p:nvSpPr>
         <p:spPr>
           <a:xfrm>
-            <a:off x="1934049" y="3767840"/>
-            <a:ext cx="2094163" cy="276999"/>
+            <a:off x="1910347" y="4387793"/>
+            <a:ext cx="2016016" cy="233121"/>
           </a:xfrm>
           <a:prstGeom prst="rect">
             <a:avLst/>
@@ -5268,8 +5393,8 @@
         </p:nvSpPr>
         <p:spPr>
           <a:xfrm>
-            <a:off x="8122043" y="3745569"/>
-            <a:ext cx="1422529" cy="276999"/>
+            <a:off x="7867427" y="4369050"/>
+            <a:ext cx="1369445" cy="233121"/>
           </a:xfrm>
           <a:prstGeom prst="rect">
             <a:avLst/>
@@ -5304,8 +5429,8 @@
         </p:nvSpPr>
         <p:spPr>
           <a:xfrm rot="16200000">
-            <a:off x="8415819" y="4633334"/>
-            <a:ext cx="1423007" cy="387437"/>
+            <a:off x="8236394" y="5092733"/>
+            <a:ext cx="1197598" cy="372979"/>
           </a:xfrm>
           <a:prstGeom prst="roundRect">
             <a:avLst/>
@@ -5369,8 +5494,8 @@
         </p:nvSpPr>
         <p:spPr>
           <a:xfrm>
-            <a:off x="1610327" y="1665031"/>
-            <a:ext cx="9496364" cy="619001"/>
+            <a:off x="3420462" y="2837647"/>
+            <a:ext cx="4553798" cy="301379"/>
           </a:xfrm>
           <a:prstGeom prst="roundRect">
             <a:avLst/>
@@ -5434,8 +5559,8 @@
         </p:nvSpPr>
         <p:spPr>
           <a:xfrm>
-            <a:off x="1610327" y="912133"/>
-            <a:ext cx="2408994" cy="619001"/>
+            <a:off x="3069531" y="1009781"/>
+            <a:ext cx="2657169" cy="520949"/>
           </a:xfrm>
           <a:prstGeom prst="roundRect">
             <a:avLst/>
@@ -5499,8 +5624,8 @@
         </p:nvSpPr>
         <p:spPr>
           <a:xfrm>
-            <a:off x="6547886" y="887986"/>
-            <a:ext cx="2173087" cy="619001"/>
+            <a:off x="4527916" y="1604313"/>
+            <a:ext cx="3726863" cy="520949"/>
           </a:xfrm>
           <a:prstGeom prst="roundRect">
             <a:avLst/>
@@ -5564,8 +5689,8 @@
         </p:nvSpPr>
         <p:spPr>
           <a:xfrm>
-            <a:off x="5170393" y="3066710"/>
-            <a:ext cx="3062625" cy="332940"/>
+            <a:off x="5025922" y="3797725"/>
+            <a:ext cx="2948339" cy="280201"/>
           </a:xfrm>
           <a:prstGeom prst="roundRect">
             <a:avLst/>
@@ -5629,8 +5754,8 @@
         </p:nvSpPr>
         <p:spPr>
           <a:xfrm>
-            <a:off x="3522944" y="3075777"/>
-            <a:ext cx="1461245" cy="311054"/>
+            <a:off x="3439950" y="3805356"/>
+            <a:ext cx="1406717" cy="261782"/>
           </a:xfrm>
           <a:prstGeom prst="roundRect">
             <a:avLst/>
@@ -5694,8 +5819,8 @@
         </p:nvSpPr>
         <p:spPr>
           <a:xfrm>
-            <a:off x="4855591" y="3177821"/>
-            <a:ext cx="425902" cy="121098"/>
+            <a:off x="4722867" y="3891236"/>
+            <a:ext cx="410009" cy="101916"/>
           </a:xfrm>
           <a:prstGeom prst="leftRightArrow">
             <a:avLst/>
@@ -5746,8 +5871,8 @@
         </p:nvSpPr>
         <p:spPr>
           <a:xfrm>
-            <a:off x="1706848" y="4147843"/>
-            <a:ext cx="750638" cy="801607"/>
+            <a:off x="1691624" y="4707603"/>
+            <a:ext cx="722627" cy="674630"/>
           </a:xfrm>
           <a:prstGeom prst="can">
             <a:avLst/>
@@ -5795,12 +5920,168 @@
           </a:p>
         </p:txBody>
       </p:sp>
-      <p:sp>
-        <p:nvSpPr>
-          <p:cNvPr id="9" name="Rounded Rectangle 8">
-            <a:extLst>
-              <a:ext uri="{FF2B5EF4-FFF2-40B4-BE49-F238E27FC236}">
-                <a16:creationId xmlns:a16="http://schemas.microsoft.com/office/drawing/2014/main" id="{B9CAE208-3F1F-F5AD-EBFE-73E1F12F7FC0}"/>
+      <p:pic>
+        <p:nvPicPr>
+          <p:cNvPr id="31" name="Graphic 30" descr="User with solid fill">
+            <a:extLst>
+              <a:ext uri="{FF2B5EF4-FFF2-40B4-BE49-F238E27FC236}">
+                <a16:creationId xmlns:a16="http://schemas.microsoft.com/office/drawing/2014/main" id="{0DBCAC7B-6D2E-AEB2-ED30-5BAD3CF7A8B9}"/>
+              </a:ext>
+            </a:extLst>
+          </p:cNvPr>
+          <p:cNvPicPr>
+            <a:picLocks noChangeAspect="1"/>
+          </p:cNvPicPr>
+          <p:nvPr/>
+        </p:nvPicPr>
+        <p:blipFill>
+          <a:blip r:embed="rId3">
+            <a:extLst>
+              <a:ext uri="{96DAC541-7B7A-43D3-8B79-37D633B846F1}">
+                <asvg:svgBlip xmlns:asvg="http://schemas.microsoft.com/office/drawing/2016/SVG/main" r:embed="rId4"/>
+              </a:ext>
+            </a:extLst>
+          </a:blip>
+          <a:stretch>
+            <a:fillRect/>
+          </a:stretch>
+        </p:blipFill>
+        <p:spPr>
+          <a:xfrm>
+            <a:off x="9550452" y="3530825"/>
+            <a:ext cx="582712" cy="507240"/>
+          </a:xfrm>
+          <a:prstGeom prst="rect">
+            <a:avLst/>
+          </a:prstGeom>
+          <a:effectLst>
+            <a:outerShdw blurRad="50800" dist="38100" dir="2700000" algn="tl" rotWithShape="0">
+              <a:prstClr val="black">
+                <a:alpha val="40000"/>
+              </a:prstClr>
+            </a:outerShdw>
+          </a:effectLst>
+        </p:spPr>
+      </p:pic>
+      <p:pic>
+        <p:nvPicPr>
+          <p:cNvPr id="38" name="Graphic 37" descr="User with solid fill">
+            <a:extLst>
+              <a:ext uri="{FF2B5EF4-FFF2-40B4-BE49-F238E27FC236}">
+                <a16:creationId xmlns:a16="http://schemas.microsoft.com/office/drawing/2014/main" id="{C6C8B1B6-1A5B-DA18-B3A8-189A7D85B430}"/>
+              </a:ext>
+            </a:extLst>
+          </p:cNvPr>
+          <p:cNvPicPr>
+            <a:picLocks noChangeAspect="1"/>
+          </p:cNvPicPr>
+          <p:nvPr/>
+        </p:nvPicPr>
+        <p:blipFill>
+          <a:blip r:embed="rId5">
+            <a:extLst>
+              <a:ext uri="{96DAC541-7B7A-43D3-8B79-37D633B846F1}">
+                <asvg:svgBlip xmlns:asvg="http://schemas.microsoft.com/office/drawing/2016/SVG/main" r:embed="rId6"/>
+              </a:ext>
+            </a:extLst>
+          </a:blip>
+          <a:stretch>
+            <a:fillRect/>
+          </a:stretch>
+        </p:blipFill>
+        <p:spPr>
+          <a:xfrm>
+            <a:off x="5293441" y="-146102"/>
+            <a:ext cx="582712" cy="507240"/>
+          </a:xfrm>
+          <a:prstGeom prst="rect">
+            <a:avLst/>
+          </a:prstGeom>
+          <a:effectLst>
+            <a:outerShdw blurRad="50800" dist="38100" dir="2700000" algn="tl" rotWithShape="0">
+              <a:prstClr val="black">
+                <a:alpha val="40000"/>
+              </a:prstClr>
+            </a:outerShdw>
+          </a:effectLst>
+        </p:spPr>
+      </p:pic>
+      <p:sp>
+        <p:nvSpPr>
+          <p:cNvPr id="42" name="TextBox 41">
+            <a:extLst>
+              <a:ext uri="{FF2B5EF4-FFF2-40B4-BE49-F238E27FC236}">
+                <a16:creationId xmlns:a16="http://schemas.microsoft.com/office/drawing/2014/main" id="{DC916592-E3F3-AFA0-66F7-6F1316E88E43}"/>
+              </a:ext>
+            </a:extLst>
+          </p:cNvPr>
+          <p:cNvSpPr txBox="1"/>
+          <p:nvPr/>
+        </p:nvSpPr>
+        <p:spPr>
+          <a:xfrm>
+            <a:off x="9322152" y="3982703"/>
+            <a:ext cx="1190721" cy="310828"/>
+          </a:xfrm>
+          <a:prstGeom prst="rect">
+            <a:avLst/>
+          </a:prstGeom>
+          <a:noFill/>
+        </p:spPr>
+        <p:txBody>
+          <a:bodyPr wrap="none" rtlCol="0">
+            <a:spAutoFit/>
+          </a:bodyPr>
+          <a:lstStyle/>
+          <a:p>
+            <a:r>
+              <a:rPr lang="en-US" dirty="0"/>
+              <a:t>Developers</a:t>
+            </a:r>
+          </a:p>
+        </p:txBody>
+      </p:sp>
+      <p:sp>
+        <p:nvSpPr>
+          <p:cNvPr id="43" name="TextBox 42">
+            <a:extLst>
+              <a:ext uri="{FF2B5EF4-FFF2-40B4-BE49-F238E27FC236}">
+                <a16:creationId xmlns:a16="http://schemas.microsoft.com/office/drawing/2014/main" id="{BAB1F792-3A25-CDB6-C273-707A44A81ECE}"/>
+              </a:ext>
+            </a:extLst>
+          </p:cNvPr>
+          <p:cNvSpPr txBox="1"/>
+          <p:nvPr/>
+        </p:nvSpPr>
+        <p:spPr>
+          <a:xfrm>
+            <a:off x="5897186" y="-6535"/>
+            <a:ext cx="677026" cy="310828"/>
+          </a:xfrm>
+          <a:prstGeom prst="rect">
+            <a:avLst/>
+          </a:prstGeom>
+          <a:noFill/>
+        </p:spPr>
+        <p:txBody>
+          <a:bodyPr wrap="none" rtlCol="0">
+            <a:spAutoFit/>
+          </a:bodyPr>
+          <a:lstStyle/>
+          <a:p>
+            <a:r>
+              <a:rPr lang="en-US" dirty="0"/>
+              <a:t>Users</a:t>
+            </a:r>
+          </a:p>
+        </p:txBody>
+      </p:sp>
+      <p:sp>
+        <p:nvSpPr>
+          <p:cNvPr id="5" name="Rounded Rectangle 4">
+            <a:extLst>
+              <a:ext uri="{FF2B5EF4-FFF2-40B4-BE49-F238E27FC236}">
+                <a16:creationId xmlns:a16="http://schemas.microsoft.com/office/drawing/2014/main" id="{A7A104C9-A8A1-43C6-FF87-16CA34E4FD79}"/>
               </a:ext>
             </a:extLst>
           </p:cNvPr>
@@ -5809,8 +6090,8 @@
         </p:nvSpPr>
         <p:spPr>
           <a:xfrm>
-            <a:off x="8933604" y="894718"/>
-            <a:ext cx="2173087" cy="612270"/>
+            <a:off x="3069531" y="2206390"/>
+            <a:ext cx="5185248" cy="520949"/>
           </a:xfrm>
           <a:prstGeom prst="roundRect">
             <a:avLst/>
@@ -5854,50 +6135,131 @@
           <a:p>
             <a:pPr algn="ctr"/>
             <a:r>
-              <a:rPr lang="en-US" sz="1600" dirty="0" err="1"/>
-              <a:t>Pyhon</a:t>
-            </a:r>
-            <a:r>
               <a:rPr lang="en-US" sz="1600" dirty="0"/>
-              <a:t> API</a:t>
-            </a:r>
-          </a:p>
-        </p:txBody>
-      </p:sp>
-      <p:pic>
-        <p:nvPicPr>
-          <p:cNvPr id="31" name="Graphic 30" descr="User with solid fill">
-            <a:extLst>
-              <a:ext uri="{FF2B5EF4-FFF2-40B4-BE49-F238E27FC236}">
-                <a16:creationId xmlns:a16="http://schemas.microsoft.com/office/drawing/2014/main" id="{0DBCAC7B-6D2E-AEB2-ED30-5BAD3CF7A8B9}"/>
-              </a:ext>
-            </a:extLst>
-          </p:cNvPr>
-          <p:cNvPicPr>
-            <a:picLocks noChangeAspect="1"/>
-          </p:cNvPicPr>
+              <a:t>Python  API</a:t>
+            </a:r>
+          </a:p>
+        </p:txBody>
+      </p:sp>
+      <p:sp>
+        <p:nvSpPr>
+          <p:cNvPr id="44" name="Right Brace 43">
+            <a:extLst>
+              <a:ext uri="{FF2B5EF4-FFF2-40B4-BE49-F238E27FC236}">
+                <a16:creationId xmlns:a16="http://schemas.microsoft.com/office/drawing/2014/main" id="{69B42A10-D52C-89A0-1959-BB773DB706D7}"/>
+              </a:ext>
+            </a:extLst>
+          </p:cNvPr>
+          <p:cNvSpPr/>
           <p:nvPr/>
-        </p:nvPicPr>
-        <p:blipFill>
-          <a:blip r:embed="rId3">
-            <a:extLst>
-              <a:ext uri="{96DAC541-7B7A-43D3-8B79-37D633B846F1}">
-                <asvg:svgBlip xmlns:asvg="http://schemas.microsoft.com/office/drawing/2016/SVG/main" r:embed="rId4"/>
-              </a:ext>
-            </a:extLst>
-          </a:blip>
-          <a:stretch>
-            <a:fillRect/>
-          </a:stretch>
-        </p:blipFill>
+        </p:nvSpPr>
+        <p:spPr>
+          <a:xfrm rot="16200000">
+            <a:off x="5506620" y="-1983755"/>
+            <a:ext cx="262726" cy="5092499"/>
+          </a:xfrm>
+          <a:prstGeom prst="rightBrace">
+            <a:avLst/>
+          </a:prstGeom>
+        </p:spPr>
+        <p:style>
+          <a:lnRef idx="3">
+            <a:schemeClr val="dk1"/>
+          </a:lnRef>
+          <a:fillRef idx="0">
+            <a:schemeClr val="dk1"/>
+          </a:fillRef>
+          <a:effectRef idx="2">
+            <a:schemeClr val="dk1"/>
+          </a:effectRef>
+          <a:fontRef idx="minor">
+            <a:schemeClr val="tx1"/>
+          </a:fontRef>
+        </p:style>
+        <p:txBody>
+          <a:bodyPr rtlCol="0" anchor="ctr"/>
+          <a:lstStyle/>
+          <a:p>
+            <a:pPr algn="ctr"/>
+            <a:endParaRPr lang="en-US"/>
+          </a:p>
+        </p:txBody>
+      </p:sp>
+      <p:sp>
+        <p:nvSpPr>
+          <p:cNvPr id="45" name="Right Brace 44">
+            <a:extLst>
+              <a:ext uri="{FF2B5EF4-FFF2-40B4-BE49-F238E27FC236}">
+                <a16:creationId xmlns:a16="http://schemas.microsoft.com/office/drawing/2014/main" id="{7ED78C49-3956-B65E-7858-E1627FBA29BA}"/>
+              </a:ext>
+            </a:extLst>
+          </p:cNvPr>
+          <p:cNvSpPr/>
+          <p:nvPr/>
+        </p:nvSpPr>
         <p:spPr>
           <a:xfrm>
-            <a:off x="9725770" y="164439"/>
-            <a:ext cx="605300" cy="602712"/>
-          </a:xfrm>
-          <a:prstGeom prst="rect">
+            <a:off x="9199490" y="994044"/>
+            <a:ext cx="325354" cy="5580803"/>
+          </a:xfrm>
+          <a:prstGeom prst="rightBrace">
             <a:avLst/>
           </a:prstGeom>
+        </p:spPr>
+        <p:style>
+          <a:lnRef idx="3">
+            <a:schemeClr val="dk1"/>
+          </a:lnRef>
+          <a:fillRef idx="0">
+            <a:schemeClr val="dk1"/>
+          </a:fillRef>
+          <a:effectRef idx="2">
+            <a:schemeClr val="dk1"/>
+          </a:effectRef>
+          <a:fontRef idx="minor">
+            <a:schemeClr val="tx1"/>
+          </a:fontRef>
+        </p:style>
+        <p:txBody>
+          <a:bodyPr rtlCol="0" anchor="ctr"/>
+          <a:lstStyle/>
+          <a:p>
+            <a:pPr algn="ctr"/>
+            <a:endParaRPr lang="en-US"/>
+          </a:p>
+        </p:txBody>
+      </p:sp>
+      <p:sp>
+        <p:nvSpPr>
+          <p:cNvPr id="46" name="Rounded Rectangle 45">
+            <a:extLst>
+              <a:ext uri="{FF2B5EF4-FFF2-40B4-BE49-F238E27FC236}">
+                <a16:creationId xmlns:a16="http://schemas.microsoft.com/office/drawing/2014/main" id="{B9247744-5726-9241-90F3-F954B407902E}"/>
+              </a:ext>
+            </a:extLst>
+          </p:cNvPr>
+          <p:cNvSpPr/>
+          <p:nvPr/>
+        </p:nvSpPr>
+        <p:spPr>
+          <a:xfrm>
+            <a:off x="3063246" y="1601472"/>
+            <a:ext cx="1368577" cy="520949"/>
+          </a:xfrm>
+          <a:prstGeom prst="roundRect">
+            <a:avLst/>
+          </a:prstGeom>
+          <a:solidFill>
+            <a:schemeClr val="accent6">
+              <a:lumMod val="20000"/>
+              <a:lumOff val="80000"/>
+            </a:schemeClr>
+          </a:solidFill>
+          <a:ln w="12700">
+            <a:solidFill>
+              <a:schemeClr val="tx1"/>
+            </a:solidFill>
+          </a:ln>
           <a:effectLst>
             <a:outerShdw blurRad="50800" dist="38100" dir="2700000" algn="tl" rotWithShape="0">
               <a:prstClr val="black">
@@ -5906,99 +6268,38 @@
             </a:outerShdw>
           </a:effectLst>
         </p:spPr>
-      </p:pic>
-      <p:pic>
-        <p:nvPicPr>
-          <p:cNvPr id="38" name="Graphic 37" descr="User with solid fill">
-            <a:extLst>
-              <a:ext uri="{FF2B5EF4-FFF2-40B4-BE49-F238E27FC236}">
-                <a16:creationId xmlns:a16="http://schemas.microsoft.com/office/drawing/2014/main" id="{C6C8B1B6-1A5B-DA18-B3A8-189A7D85B430}"/>
-              </a:ext>
-            </a:extLst>
-          </p:cNvPr>
-          <p:cNvPicPr>
-            <a:picLocks noChangeAspect="1"/>
-          </p:cNvPicPr>
-          <p:nvPr/>
-        </p:nvPicPr>
-        <p:blipFill>
-          <a:blip r:embed="rId5">
-            <a:extLst>
-              <a:ext uri="{96DAC541-7B7A-43D3-8B79-37D633B846F1}">
-                <asvg:svgBlip xmlns:asvg="http://schemas.microsoft.com/office/drawing/2016/SVG/main" r:embed="rId6"/>
-              </a:ext>
-            </a:extLst>
-          </a:blip>
-          <a:stretch>
-            <a:fillRect/>
-          </a:stretch>
-        </p:blipFill>
-        <p:spPr>
-          <a:xfrm>
-            <a:off x="4929316" y="157707"/>
-            <a:ext cx="605300" cy="602712"/>
-          </a:xfrm>
-          <a:prstGeom prst="rect">
-            <a:avLst/>
-          </a:prstGeom>
-          <a:effectLst>
-            <a:outerShdw blurRad="50800" dist="38100" dir="2700000" algn="tl" rotWithShape="0">
-              <a:prstClr val="black">
-                <a:alpha val="40000"/>
-              </a:prstClr>
-            </a:outerShdw>
-          </a:effectLst>
-        </p:spPr>
-      </p:pic>
-      <p:pic>
-        <p:nvPicPr>
-          <p:cNvPr id="41" name="Graphic 40" descr="User with solid fill">
-            <a:extLst>
-              <a:ext uri="{FF2B5EF4-FFF2-40B4-BE49-F238E27FC236}">
-                <a16:creationId xmlns:a16="http://schemas.microsoft.com/office/drawing/2014/main" id="{19AB6EDB-8542-1469-AE8F-52CF4238E525}"/>
-              </a:ext>
-            </a:extLst>
-          </p:cNvPr>
-          <p:cNvPicPr>
-            <a:picLocks noChangeAspect="1"/>
-          </p:cNvPicPr>
-          <p:nvPr/>
-        </p:nvPicPr>
-        <p:blipFill>
-          <a:blip r:embed="rId5">
-            <a:extLst>
-              <a:ext uri="{96DAC541-7B7A-43D3-8B79-37D633B846F1}">
-                <asvg:svgBlip xmlns:asvg="http://schemas.microsoft.com/office/drawing/2016/SVG/main" r:embed="rId6"/>
-              </a:ext>
-            </a:extLst>
-          </a:blip>
-          <a:stretch>
-            <a:fillRect/>
-          </a:stretch>
-        </p:blipFill>
-        <p:spPr>
-          <a:xfrm>
-            <a:off x="2512174" y="242473"/>
-            <a:ext cx="605300" cy="602712"/>
-          </a:xfrm>
-          <a:prstGeom prst="rect">
-            <a:avLst/>
-          </a:prstGeom>
-          <a:effectLst>
-            <a:outerShdw blurRad="50800" dist="38100" dir="2700000" algn="tl" rotWithShape="0">
-              <a:prstClr val="black">
-                <a:alpha val="40000"/>
-              </a:prstClr>
-            </a:outerShdw>
-          </a:effectLst>
-        </p:spPr>
-      </p:pic>
-      <p:sp>
-        <p:nvSpPr>
-          <p:cNvPr id="42" name="TextBox 41">
-            <a:extLst>
-              <a:ext uri="{FF2B5EF4-FFF2-40B4-BE49-F238E27FC236}">
-                <a16:creationId xmlns:a16="http://schemas.microsoft.com/office/drawing/2014/main" id="{DC916592-E3F3-AFA0-66F7-6F1316E88E43}"/>
+        <p:style>
+          <a:lnRef idx="1">
+            <a:schemeClr val="accent4"/>
+          </a:lnRef>
+          <a:fillRef idx="2">
+            <a:schemeClr val="accent4"/>
+          </a:fillRef>
+          <a:effectRef idx="1">
+            <a:schemeClr val="accent4"/>
+          </a:effectRef>
+          <a:fontRef idx="minor">
+            <a:schemeClr val="dk1"/>
+          </a:fontRef>
+        </p:style>
+        <p:txBody>
+          <a:bodyPr rtlCol="0" anchor="ctr"/>
+          <a:lstStyle/>
+          <a:p>
+            <a:pPr algn="ctr"/>
+            <a:r>
+              <a:rPr lang="en-US" sz="1600" dirty="0"/>
+              <a:t>Python  API</a:t>
+            </a:r>
+          </a:p>
+        </p:txBody>
+      </p:sp>
+      <p:sp>
+        <p:nvSpPr>
+          <p:cNvPr id="52" name="TextBox 51">
+            <a:extLst>
+              <a:ext uri="{FF2B5EF4-FFF2-40B4-BE49-F238E27FC236}">
+                <a16:creationId xmlns:a16="http://schemas.microsoft.com/office/drawing/2014/main" id="{A125085C-F6CC-DCE9-2C09-5F395E3E9B58}"/>
               </a:ext>
             </a:extLst>
           </p:cNvPr>
@@ -6006,9 +6307,9 @@
           <p:nvPr/>
         </p:nvSpPr>
         <p:spPr>
-          <a:xfrm>
-            <a:off x="8233018" y="306796"/>
-            <a:ext cx="1236877" cy="369332"/>
+          <a:xfrm rot="16200000">
+            <a:off x="7798520" y="1706532"/>
+            <a:ext cx="1400471" cy="310829"/>
           </a:xfrm>
           <a:prstGeom prst="rect">
             <a:avLst/>
@@ -6023,17 +6324,17 @@
           <a:p>
             <a:r>
               <a:rPr lang="en-US" dirty="0"/>
-              <a:t>Developers</a:t>
-            </a:r>
-          </a:p>
-        </p:txBody>
-      </p:sp>
-      <p:sp>
-        <p:nvSpPr>
-          <p:cNvPr id="43" name="TextBox 42">
-            <a:extLst>
-              <a:ext uri="{FF2B5EF4-FFF2-40B4-BE49-F238E27FC236}">
-                <a16:creationId xmlns:a16="http://schemas.microsoft.com/office/drawing/2014/main" id="{BAB1F792-3A25-CDB6-C273-707A44A81ECE}"/>
+              <a:t>Service mode</a:t>
+            </a:r>
+          </a:p>
+        </p:txBody>
+      </p:sp>
+      <p:sp>
+        <p:nvSpPr>
+          <p:cNvPr id="54" name="TextBox 53">
+            <a:extLst>
+              <a:ext uri="{FF2B5EF4-FFF2-40B4-BE49-F238E27FC236}">
+                <a16:creationId xmlns:a16="http://schemas.microsoft.com/office/drawing/2014/main" id="{E3EEF60B-B71A-AAAD-7BFE-A5F1D2C52AF5}"/>
               </a:ext>
             </a:extLst>
           </p:cNvPr>
@@ -6041,9 +6342,9 @@
           <p:nvPr/>
         </p:nvSpPr>
         <p:spPr>
-          <a:xfrm>
-            <a:off x="3628158" y="307748"/>
-            <a:ext cx="703269" cy="369332"/>
+          <a:xfrm rot="16200000">
+            <a:off x="1829413" y="1595857"/>
+            <a:ext cx="1601721" cy="646331"/>
           </a:xfrm>
           <a:prstGeom prst="rect">
             <a:avLst/>
@@ -6056,9 +6357,17 @@
           </a:bodyPr>
           <a:lstStyle/>
           <a:p>
+            <a:pPr algn="ctr"/>
             <a:r>
               <a:rPr lang="en-US" dirty="0"/>
-              <a:t>Users</a:t>
+              <a:t>Command line </a:t>
+            </a:r>
+          </a:p>
+          <a:p>
+            <a:pPr algn="ctr"/>
+            <a:r>
+              <a:rPr lang="en-US" dirty="0"/>
+              <a:t>mode</a:t>
             </a:r>
           </a:p>
         </p:txBody>
